--- a/Documentación/Oral-Care-Expo.pptx
+++ b/Documentación/Oral-Care-Expo.pptx
@@ -4,14 +4,17 @@
   <p:sldMasterIdLst>
     <p:sldMasterId id="2147483665" r:id="rId1"/>
   </p:sldMasterIdLst>
+  <p:notesMasterIdLst>
+    <p:notesMasterId r:id="rId16"/>
+  </p:notesMasterIdLst>
   <p:sldIdLst>
     <p:sldId id="256" r:id="rId2"/>
     <p:sldId id="257" r:id="rId3"/>
     <p:sldId id="269" r:id="rId4"/>
     <p:sldId id="260" r:id="rId5"/>
     <p:sldId id="259" r:id="rId6"/>
-    <p:sldId id="261" r:id="rId7"/>
-    <p:sldId id="271" r:id="rId8"/>
+    <p:sldId id="271" r:id="rId7"/>
+    <p:sldId id="261" r:id="rId8"/>
     <p:sldId id="262" r:id="rId9"/>
     <p:sldId id="263" r:id="rId10"/>
     <p:sldId id="264" r:id="rId11"/>
@@ -129,6 +132,530 @@
 <p1510:revInfo xmlns:a="http://schemas.openxmlformats.org/drawingml/2006/main" xmlns:r="http://schemas.openxmlformats.org/officeDocument/2006/relationships" xmlns:p1510="http://schemas.microsoft.com/office/powerpoint/2015/10/main"/>
 </file>
 
+<file path=ppt/notesMasters/notesMaster1.xml><?xml version="1.0" encoding="utf-8"?>
+<p:notesMaster xmlns:a="http://schemas.openxmlformats.org/drawingml/2006/main" xmlns:r="http://schemas.openxmlformats.org/officeDocument/2006/relationships" xmlns:p="http://schemas.openxmlformats.org/presentationml/2006/main">
+  <p:cSld>
+    <p:bg>
+      <p:bgRef idx="1001">
+        <a:schemeClr val="bg1"/>
+      </p:bgRef>
+    </p:bg>
+    <p:spTree>
+      <p:nvGrpSpPr>
+        <p:cNvPr id="1" name=""/>
+        <p:cNvGrpSpPr/>
+        <p:nvPr/>
+      </p:nvGrpSpPr>
+      <p:grpSpPr>
+        <a:xfrm>
+          <a:off x="0" y="0"/>
+          <a:ext cx="0" cy="0"/>
+          <a:chOff x="0" y="0"/>
+          <a:chExt cx="0" cy="0"/>
+        </a:xfrm>
+      </p:grpSpPr>
+      <p:sp>
+        <p:nvSpPr>
+          <p:cNvPr id="2" name="Marcador de encabezado 1"/>
+          <p:cNvSpPr>
+            <a:spLocks noGrp="1"/>
+          </p:cNvSpPr>
+          <p:nvPr>
+            <p:ph type="hdr" sz="quarter"/>
+          </p:nvPr>
+        </p:nvSpPr>
+        <p:spPr>
+          <a:xfrm>
+            <a:off x="0" y="0"/>
+            <a:ext cx="2971800" cy="458788"/>
+          </a:xfrm>
+          <a:prstGeom prst="rect">
+            <a:avLst/>
+          </a:prstGeom>
+        </p:spPr>
+        <p:txBody>
+          <a:bodyPr vert="horz" lIns="91440" tIns="45720" rIns="91440" bIns="45720" rtlCol="0"/>
+          <a:lstStyle>
+            <a:lvl1pPr algn="l">
+              <a:defRPr sz="1200"/>
+            </a:lvl1pPr>
+          </a:lstStyle>
+          <a:p>
+            <a:endParaRPr lang="es-CO"/>
+          </a:p>
+        </p:txBody>
+      </p:sp>
+      <p:sp>
+        <p:nvSpPr>
+          <p:cNvPr id="3" name="Marcador de fecha 2"/>
+          <p:cNvSpPr>
+            <a:spLocks noGrp="1"/>
+          </p:cNvSpPr>
+          <p:nvPr>
+            <p:ph type="dt" idx="1"/>
+          </p:nvPr>
+        </p:nvSpPr>
+        <p:spPr>
+          <a:xfrm>
+            <a:off x="3884613" y="0"/>
+            <a:ext cx="2971800" cy="458788"/>
+          </a:xfrm>
+          <a:prstGeom prst="rect">
+            <a:avLst/>
+          </a:prstGeom>
+        </p:spPr>
+        <p:txBody>
+          <a:bodyPr vert="horz" lIns="91440" tIns="45720" rIns="91440" bIns="45720" rtlCol="0"/>
+          <a:lstStyle>
+            <a:lvl1pPr algn="r">
+              <a:defRPr sz="1200"/>
+            </a:lvl1pPr>
+          </a:lstStyle>
+          <a:p>
+            <a:fld id="{DDD7CFF1-41BE-41BA-812A-BF33257E2616}" type="datetimeFigureOut">
+              <a:rPr lang="es-CO" smtClean="0"/>
+              <a:t>15/06/2017</a:t>
+            </a:fld>
+            <a:endParaRPr lang="es-CO"/>
+          </a:p>
+        </p:txBody>
+      </p:sp>
+      <p:sp>
+        <p:nvSpPr>
+          <p:cNvPr id="4" name="Marcador de imagen de diapositiva 3"/>
+          <p:cNvSpPr>
+            <a:spLocks noGrp="1" noRot="1" noChangeAspect="1"/>
+          </p:cNvSpPr>
+          <p:nvPr>
+            <p:ph type="sldImg" idx="2"/>
+          </p:nvPr>
+        </p:nvSpPr>
+        <p:spPr>
+          <a:xfrm>
+            <a:off x="685800" y="1143000"/>
+            <a:ext cx="5486400" cy="3086100"/>
+          </a:xfrm>
+          <a:prstGeom prst="rect">
+            <a:avLst/>
+          </a:prstGeom>
+          <a:noFill/>
+          <a:ln w="12700">
+            <a:solidFill>
+              <a:prstClr val="black"/>
+            </a:solidFill>
+          </a:ln>
+        </p:spPr>
+        <p:txBody>
+          <a:bodyPr vert="horz" lIns="91440" tIns="45720" rIns="91440" bIns="45720" rtlCol="0" anchor="ctr"/>
+          <a:lstStyle/>
+          <a:p>
+            <a:endParaRPr lang="es-CO"/>
+          </a:p>
+        </p:txBody>
+      </p:sp>
+      <p:sp>
+        <p:nvSpPr>
+          <p:cNvPr id="5" name="Marcador de notas 4"/>
+          <p:cNvSpPr>
+            <a:spLocks noGrp="1"/>
+          </p:cNvSpPr>
+          <p:nvPr>
+            <p:ph type="body" sz="quarter" idx="3"/>
+          </p:nvPr>
+        </p:nvSpPr>
+        <p:spPr>
+          <a:xfrm>
+            <a:off x="685800" y="4400550"/>
+            <a:ext cx="5486400" cy="3600450"/>
+          </a:xfrm>
+          <a:prstGeom prst="rect">
+            <a:avLst/>
+          </a:prstGeom>
+        </p:spPr>
+        <p:txBody>
+          <a:bodyPr vert="horz" lIns="91440" tIns="45720" rIns="91440" bIns="45720" rtlCol="0"/>
+          <a:lstStyle/>
+          <a:p>
+            <a:pPr lvl="0"/>
+            <a:r>
+              <a:rPr lang="es-ES"/>
+              <a:t>Editar el estilo de texto del patrón</a:t>
+            </a:r>
+          </a:p>
+          <a:p>
+            <a:pPr lvl="1"/>
+            <a:r>
+              <a:rPr lang="es-ES"/>
+              <a:t>Segundo nivel</a:t>
+            </a:r>
+          </a:p>
+          <a:p>
+            <a:pPr lvl="2"/>
+            <a:r>
+              <a:rPr lang="es-ES"/>
+              <a:t>Tercer nivel</a:t>
+            </a:r>
+          </a:p>
+          <a:p>
+            <a:pPr lvl="3"/>
+            <a:r>
+              <a:rPr lang="es-ES"/>
+              <a:t>Cuarto nivel</a:t>
+            </a:r>
+          </a:p>
+          <a:p>
+            <a:pPr lvl="4"/>
+            <a:r>
+              <a:rPr lang="es-ES"/>
+              <a:t>Quinto nivel</a:t>
+            </a:r>
+            <a:endParaRPr lang="es-CO"/>
+          </a:p>
+        </p:txBody>
+      </p:sp>
+      <p:sp>
+        <p:nvSpPr>
+          <p:cNvPr id="6" name="Marcador de pie de página 5"/>
+          <p:cNvSpPr>
+            <a:spLocks noGrp="1"/>
+          </p:cNvSpPr>
+          <p:nvPr>
+            <p:ph type="ftr" sz="quarter" idx="4"/>
+          </p:nvPr>
+        </p:nvSpPr>
+        <p:spPr>
+          <a:xfrm>
+            <a:off x="0" y="8685213"/>
+            <a:ext cx="2971800" cy="458787"/>
+          </a:xfrm>
+          <a:prstGeom prst="rect">
+            <a:avLst/>
+          </a:prstGeom>
+        </p:spPr>
+        <p:txBody>
+          <a:bodyPr vert="horz" lIns="91440" tIns="45720" rIns="91440" bIns="45720" rtlCol="0" anchor="b"/>
+          <a:lstStyle>
+            <a:lvl1pPr algn="l">
+              <a:defRPr sz="1200"/>
+            </a:lvl1pPr>
+          </a:lstStyle>
+          <a:p>
+            <a:endParaRPr lang="es-CO"/>
+          </a:p>
+        </p:txBody>
+      </p:sp>
+      <p:sp>
+        <p:nvSpPr>
+          <p:cNvPr id="7" name="Marcador de número de diapositiva 6"/>
+          <p:cNvSpPr>
+            <a:spLocks noGrp="1"/>
+          </p:cNvSpPr>
+          <p:nvPr>
+            <p:ph type="sldNum" sz="quarter" idx="5"/>
+          </p:nvPr>
+        </p:nvSpPr>
+        <p:spPr>
+          <a:xfrm>
+            <a:off x="3884613" y="8685213"/>
+            <a:ext cx="2971800" cy="458787"/>
+          </a:xfrm>
+          <a:prstGeom prst="rect">
+            <a:avLst/>
+          </a:prstGeom>
+        </p:spPr>
+        <p:txBody>
+          <a:bodyPr vert="horz" lIns="91440" tIns="45720" rIns="91440" bIns="45720" rtlCol="0" anchor="b"/>
+          <a:lstStyle>
+            <a:lvl1pPr algn="r">
+              <a:defRPr sz="1200"/>
+            </a:lvl1pPr>
+          </a:lstStyle>
+          <a:p>
+            <a:fld id="{FB495F96-808F-4CB3-87E8-A850639EEDF9}" type="slidenum">
+              <a:rPr lang="es-CO" smtClean="0"/>
+              <a:t>‹Nº›</a:t>
+            </a:fld>
+            <a:endParaRPr lang="es-CO"/>
+          </a:p>
+        </p:txBody>
+      </p:sp>
+    </p:spTree>
+    <p:extLst>
+      <p:ext uri="{BB962C8B-B14F-4D97-AF65-F5344CB8AC3E}">
+        <p14:creationId xmlns:p14="http://schemas.microsoft.com/office/powerpoint/2010/main" val="3055292897"/>
+      </p:ext>
+    </p:extLst>
+  </p:cSld>
+  <p:clrMap bg1="lt1" tx1="dk1" bg2="lt2" tx2="dk2" accent1="accent1" accent2="accent2" accent3="accent3" accent4="accent4" accent5="accent5" accent6="accent6" hlink="hlink" folHlink="folHlink"/>
+  <p:notesStyle>
+    <a:lvl1pPr marL="0" algn="l" defTabSz="914400" rtl="0" eaLnBrk="1" latinLnBrk="0" hangingPunct="1">
+      <a:defRPr sz="1200" kern="1200">
+        <a:solidFill>
+          <a:schemeClr val="tx1"/>
+        </a:solidFill>
+        <a:latin typeface="+mn-lt"/>
+        <a:ea typeface="+mn-ea"/>
+        <a:cs typeface="+mn-cs"/>
+      </a:defRPr>
+    </a:lvl1pPr>
+    <a:lvl2pPr marL="457200" algn="l" defTabSz="914400" rtl="0" eaLnBrk="1" latinLnBrk="0" hangingPunct="1">
+      <a:defRPr sz="1200" kern="1200">
+        <a:solidFill>
+          <a:schemeClr val="tx1"/>
+        </a:solidFill>
+        <a:latin typeface="+mn-lt"/>
+        <a:ea typeface="+mn-ea"/>
+        <a:cs typeface="+mn-cs"/>
+      </a:defRPr>
+    </a:lvl2pPr>
+    <a:lvl3pPr marL="914400" algn="l" defTabSz="914400" rtl="0" eaLnBrk="1" latinLnBrk="0" hangingPunct="1">
+      <a:defRPr sz="1200" kern="1200">
+        <a:solidFill>
+          <a:schemeClr val="tx1"/>
+        </a:solidFill>
+        <a:latin typeface="+mn-lt"/>
+        <a:ea typeface="+mn-ea"/>
+        <a:cs typeface="+mn-cs"/>
+      </a:defRPr>
+    </a:lvl3pPr>
+    <a:lvl4pPr marL="1371600" algn="l" defTabSz="914400" rtl="0" eaLnBrk="1" latinLnBrk="0" hangingPunct="1">
+      <a:defRPr sz="1200" kern="1200">
+        <a:solidFill>
+          <a:schemeClr val="tx1"/>
+        </a:solidFill>
+        <a:latin typeface="+mn-lt"/>
+        <a:ea typeface="+mn-ea"/>
+        <a:cs typeface="+mn-cs"/>
+      </a:defRPr>
+    </a:lvl4pPr>
+    <a:lvl5pPr marL="1828800" algn="l" defTabSz="914400" rtl="0" eaLnBrk="1" latinLnBrk="0" hangingPunct="1">
+      <a:defRPr sz="1200" kern="1200">
+        <a:solidFill>
+          <a:schemeClr val="tx1"/>
+        </a:solidFill>
+        <a:latin typeface="+mn-lt"/>
+        <a:ea typeface="+mn-ea"/>
+        <a:cs typeface="+mn-cs"/>
+      </a:defRPr>
+    </a:lvl5pPr>
+    <a:lvl6pPr marL="2286000" algn="l" defTabSz="914400" rtl="0" eaLnBrk="1" latinLnBrk="0" hangingPunct="1">
+      <a:defRPr sz="1200" kern="1200">
+        <a:solidFill>
+          <a:schemeClr val="tx1"/>
+        </a:solidFill>
+        <a:latin typeface="+mn-lt"/>
+        <a:ea typeface="+mn-ea"/>
+        <a:cs typeface="+mn-cs"/>
+      </a:defRPr>
+    </a:lvl6pPr>
+    <a:lvl7pPr marL="2743200" algn="l" defTabSz="914400" rtl="0" eaLnBrk="1" latinLnBrk="0" hangingPunct="1">
+      <a:defRPr sz="1200" kern="1200">
+        <a:solidFill>
+          <a:schemeClr val="tx1"/>
+        </a:solidFill>
+        <a:latin typeface="+mn-lt"/>
+        <a:ea typeface="+mn-ea"/>
+        <a:cs typeface="+mn-cs"/>
+      </a:defRPr>
+    </a:lvl7pPr>
+    <a:lvl8pPr marL="3200400" algn="l" defTabSz="914400" rtl="0" eaLnBrk="1" latinLnBrk="0" hangingPunct="1">
+      <a:defRPr sz="1200" kern="1200">
+        <a:solidFill>
+          <a:schemeClr val="tx1"/>
+        </a:solidFill>
+        <a:latin typeface="+mn-lt"/>
+        <a:ea typeface="+mn-ea"/>
+        <a:cs typeface="+mn-cs"/>
+      </a:defRPr>
+    </a:lvl8pPr>
+    <a:lvl9pPr marL="3657600" algn="l" defTabSz="914400" rtl="0" eaLnBrk="1" latinLnBrk="0" hangingPunct="1">
+      <a:defRPr sz="1200" kern="1200">
+        <a:solidFill>
+          <a:schemeClr val="tx1"/>
+        </a:solidFill>
+        <a:latin typeface="+mn-lt"/>
+        <a:ea typeface="+mn-ea"/>
+        <a:cs typeface="+mn-cs"/>
+      </a:defRPr>
+    </a:lvl9pPr>
+  </p:notesStyle>
+</p:notesMaster>
+</file>
+
+<file path=ppt/notesSlides/notesSlide1.xml><?xml version="1.0" encoding="utf-8"?>
+<p:notes xmlns:a="http://schemas.openxmlformats.org/drawingml/2006/main" xmlns:r="http://schemas.openxmlformats.org/officeDocument/2006/relationships" xmlns:p="http://schemas.openxmlformats.org/presentationml/2006/main">
+  <p:cSld>
+    <p:spTree>
+      <p:nvGrpSpPr>
+        <p:cNvPr id="1" name=""/>
+        <p:cNvGrpSpPr/>
+        <p:nvPr/>
+      </p:nvGrpSpPr>
+      <p:grpSpPr>
+        <a:xfrm>
+          <a:off x="0" y="0"/>
+          <a:ext cx="0" cy="0"/>
+          <a:chOff x="0" y="0"/>
+          <a:chExt cx="0" cy="0"/>
+        </a:xfrm>
+      </p:grpSpPr>
+      <p:sp>
+        <p:nvSpPr>
+          <p:cNvPr id="2" name="Marcador de imagen de diapositiva 1"/>
+          <p:cNvSpPr>
+            <a:spLocks noGrp="1" noRot="1" noChangeAspect="1"/>
+          </p:cNvSpPr>
+          <p:nvPr>
+            <p:ph type="sldImg"/>
+          </p:nvPr>
+        </p:nvSpPr>
+        <p:spPr/>
+      </p:sp>
+      <p:sp>
+        <p:nvSpPr>
+          <p:cNvPr id="3" name="Marcador de notas 2"/>
+          <p:cNvSpPr>
+            <a:spLocks noGrp="1"/>
+          </p:cNvSpPr>
+          <p:nvPr>
+            <p:ph type="body" idx="1"/>
+          </p:nvPr>
+        </p:nvSpPr>
+        <p:spPr/>
+        <p:txBody>
+          <a:bodyPr/>
+          <a:lstStyle/>
+          <a:p>
+            <a:r>
+              <a:rPr lang="es-CO" dirty="0"/>
+              <a:t>Especificación detallada - &gt; Historia de Usuario</a:t>
+            </a:r>
+          </a:p>
+        </p:txBody>
+      </p:sp>
+      <p:sp>
+        <p:nvSpPr>
+          <p:cNvPr id="4" name="Marcador de número de diapositiva 3"/>
+          <p:cNvSpPr>
+            <a:spLocks noGrp="1"/>
+          </p:cNvSpPr>
+          <p:nvPr>
+            <p:ph type="sldNum" sz="quarter" idx="10"/>
+          </p:nvPr>
+        </p:nvSpPr>
+        <p:spPr/>
+        <p:txBody>
+          <a:bodyPr/>
+          <a:lstStyle/>
+          <a:p>
+            <a:fld id="{FB495F96-808F-4CB3-87E8-A850639EEDF9}" type="slidenum">
+              <a:rPr lang="es-CO" smtClean="0"/>
+              <a:t>6</a:t>
+            </a:fld>
+            <a:endParaRPr lang="es-CO"/>
+          </a:p>
+        </p:txBody>
+      </p:sp>
+    </p:spTree>
+    <p:extLst>
+      <p:ext uri="{BB962C8B-B14F-4D97-AF65-F5344CB8AC3E}">
+        <p14:creationId xmlns:p14="http://schemas.microsoft.com/office/powerpoint/2010/main" val="191136848"/>
+      </p:ext>
+    </p:extLst>
+  </p:cSld>
+  <p:clrMapOvr>
+    <a:masterClrMapping/>
+  </p:clrMapOvr>
+</p:notes>
+</file>
+
+<file path=ppt/notesSlides/notesSlide2.xml><?xml version="1.0" encoding="utf-8"?>
+<p:notes xmlns:a="http://schemas.openxmlformats.org/drawingml/2006/main" xmlns:r="http://schemas.openxmlformats.org/officeDocument/2006/relationships" xmlns:p="http://schemas.openxmlformats.org/presentationml/2006/main">
+  <p:cSld>
+    <p:spTree>
+      <p:nvGrpSpPr>
+        <p:cNvPr id="1" name=""/>
+        <p:cNvGrpSpPr/>
+        <p:nvPr/>
+      </p:nvGrpSpPr>
+      <p:grpSpPr>
+        <a:xfrm>
+          <a:off x="0" y="0"/>
+          <a:ext cx="0" cy="0"/>
+          <a:chOff x="0" y="0"/>
+          <a:chExt cx="0" cy="0"/>
+        </a:xfrm>
+      </p:grpSpPr>
+      <p:sp>
+        <p:nvSpPr>
+          <p:cNvPr id="2" name="Marcador de imagen de diapositiva 1"/>
+          <p:cNvSpPr>
+            <a:spLocks noGrp="1" noRot="1" noChangeAspect="1"/>
+          </p:cNvSpPr>
+          <p:nvPr>
+            <p:ph type="sldImg"/>
+          </p:nvPr>
+        </p:nvSpPr>
+        <p:spPr/>
+      </p:sp>
+      <p:sp>
+        <p:nvSpPr>
+          <p:cNvPr id="3" name="Marcador de notas 2"/>
+          <p:cNvSpPr>
+            <a:spLocks noGrp="1"/>
+          </p:cNvSpPr>
+          <p:nvPr>
+            <p:ph type="body" idx="1"/>
+          </p:nvPr>
+        </p:nvSpPr>
+        <p:spPr/>
+        <p:txBody>
+          <a:bodyPr/>
+          <a:lstStyle/>
+          <a:p>
+            <a:r>
+              <a:rPr lang="es-CO" dirty="0"/>
+              <a:t>Prototipos HTML</a:t>
+            </a:r>
+          </a:p>
+        </p:txBody>
+      </p:sp>
+      <p:sp>
+        <p:nvSpPr>
+          <p:cNvPr id="4" name="Marcador de número de diapositiva 3"/>
+          <p:cNvSpPr>
+            <a:spLocks noGrp="1"/>
+          </p:cNvSpPr>
+          <p:nvPr>
+            <p:ph type="sldNum" sz="quarter" idx="10"/>
+          </p:nvPr>
+        </p:nvSpPr>
+        <p:spPr/>
+        <p:txBody>
+          <a:bodyPr/>
+          <a:lstStyle/>
+          <a:p>
+            <a:fld id="{FB495F96-808F-4CB3-87E8-A850639EEDF9}" type="slidenum">
+              <a:rPr lang="es-CO" smtClean="0"/>
+              <a:t>13</a:t>
+            </a:fld>
+            <a:endParaRPr lang="es-CO"/>
+          </a:p>
+        </p:txBody>
+      </p:sp>
+    </p:spTree>
+    <p:extLst>
+      <p:ext uri="{BB962C8B-B14F-4D97-AF65-F5344CB8AC3E}">
+        <p14:creationId xmlns:p14="http://schemas.microsoft.com/office/powerpoint/2010/main" val="1108857773"/>
+      </p:ext>
+    </p:extLst>
+  </p:cSld>
+  <p:clrMapOvr>
+    <a:masterClrMapping/>
+  </p:clrMapOvr>
+</p:notes>
+</file>
+
 <file path=ppt/slideLayouts/slideLayout1.xml><?xml version="1.0" encoding="utf-8"?>
 <p:sldLayout xmlns:a="http://schemas.openxmlformats.org/drawingml/2006/main" xmlns:r="http://schemas.openxmlformats.org/officeDocument/2006/relationships" xmlns:p="http://schemas.openxmlformats.org/presentationml/2006/main" type="title" preserve="1">
   <p:cSld name="Diapositiva de título">
@@ -269,7 +796,7 @@
             <a:fld id="{B61BEF0D-F0BB-DE4B-95CE-6DB70DBA9567}" type="datetimeFigureOut">
               <a:rPr lang="en-US" smtClean="0"/>
               <a:pPr/>
-              <a:t>6/13/2017</a:t>
+              <a:t>6/15/2017</a:t>
             </a:fld>
             <a:endParaRPr lang="en-US" dirty="0"/>
           </a:p>
@@ -482,7 +1009,7 @@
             <a:fld id="{B61BEF0D-F0BB-DE4B-95CE-6DB70DBA9567}" type="datetimeFigureOut">
               <a:rPr lang="en-US" smtClean="0"/>
               <a:pPr/>
-              <a:t>6/13/2017</a:t>
+              <a:t>6/15/2017</a:t>
             </a:fld>
             <a:endParaRPr lang="en-US" dirty="0"/>
           </a:p>
@@ -699,7 +1226,7 @@
             <a:fld id="{B61BEF0D-F0BB-DE4B-95CE-6DB70DBA9567}" type="datetimeFigureOut">
               <a:rPr lang="en-US" smtClean="0"/>
               <a:pPr/>
-              <a:t>6/13/2017</a:t>
+              <a:t>6/15/2017</a:t>
             </a:fld>
             <a:endParaRPr lang="en-US" dirty="0"/>
           </a:p>
@@ -902,7 +1429,7 @@
             <a:fld id="{B61BEF0D-F0BB-DE4B-95CE-6DB70DBA9567}" type="datetimeFigureOut">
               <a:rPr lang="en-US" smtClean="0"/>
               <a:pPr/>
-              <a:t>6/13/2017</a:t>
+              <a:t>6/15/2017</a:t>
             </a:fld>
             <a:endParaRPr lang="en-US" dirty="0"/>
           </a:p>
@@ -1183,7 +1710,7 @@
             <a:fld id="{B61BEF0D-F0BB-DE4B-95CE-6DB70DBA9567}" type="datetimeFigureOut">
               <a:rPr lang="en-US" smtClean="0"/>
               <a:pPr/>
-              <a:t>6/13/2017</a:t>
+              <a:t>6/15/2017</a:t>
             </a:fld>
             <a:endParaRPr lang="en-US" dirty="0"/>
           </a:p>
@@ -1453,7 +1980,7 @@
             <a:fld id="{B61BEF0D-F0BB-DE4B-95CE-6DB70DBA9567}" type="datetimeFigureOut">
               <a:rPr lang="en-US" smtClean="0"/>
               <a:pPr/>
-              <a:t>6/13/2017</a:t>
+              <a:t>6/15/2017</a:t>
             </a:fld>
             <a:endParaRPr lang="en-US" dirty="0"/>
           </a:p>
@@ -1871,7 +2398,7 @@
             <a:fld id="{B61BEF0D-F0BB-DE4B-95CE-6DB70DBA9567}" type="datetimeFigureOut">
               <a:rPr lang="en-US" smtClean="0"/>
               <a:pPr/>
-              <a:t>6/13/2017</a:t>
+              <a:t>6/15/2017</a:t>
             </a:fld>
             <a:endParaRPr lang="en-US" dirty="0"/>
           </a:p>
@@ -2022,7 +2549,7 @@
             <a:fld id="{B61BEF0D-F0BB-DE4B-95CE-6DB70DBA9567}" type="datetimeFigureOut">
               <a:rPr lang="en-US" smtClean="0"/>
               <a:pPr/>
-              <a:t>6/13/2017</a:t>
+              <a:t>6/15/2017</a:t>
             </a:fld>
             <a:endParaRPr lang="en-US" dirty="0"/>
           </a:p>
@@ -2150,7 +2677,7 @@
             <a:fld id="{B61BEF0D-F0BB-DE4B-95CE-6DB70DBA9567}" type="datetimeFigureOut">
               <a:rPr lang="en-US" smtClean="0"/>
               <a:pPr/>
-              <a:t>6/13/2017</a:t>
+              <a:t>6/15/2017</a:t>
             </a:fld>
             <a:endParaRPr lang="en-US" dirty="0"/>
           </a:p>
@@ -2403,7 +2930,7 @@
             <a:fld id="{B61BEF0D-F0BB-DE4B-95CE-6DB70DBA9567}" type="datetimeFigureOut">
               <a:rPr lang="en-US" smtClean="0"/>
               <a:pPr/>
-              <a:t>6/13/2017</a:t>
+              <a:t>6/15/2017</a:t>
             </a:fld>
             <a:endParaRPr lang="en-US" dirty="0"/>
           </a:p>
@@ -2850,7 +3377,7 @@
             <a:fld id="{B61BEF0D-F0BB-DE4B-95CE-6DB70DBA9567}" type="datetimeFigureOut">
               <a:rPr lang="en-US" smtClean="0"/>
               <a:pPr/>
-              <a:t>6/13/2017</a:t>
+              <a:t>6/15/2017</a:t>
             </a:fld>
             <a:endParaRPr lang="en-US" dirty="0"/>
           </a:p>
@@ -3178,7 +3705,7 @@
             <a:fld id="{B61BEF0D-F0BB-DE4B-95CE-6DB70DBA9567}" type="datetimeFigureOut">
               <a:rPr lang="en-US" smtClean="0"/>
               <a:pPr/>
-              <a:t>6/13/2017</a:t>
+              <a:t>6/15/2017</a:t>
             </a:fld>
             <a:endParaRPr lang="en-US" dirty="0"/>
           </a:p>
@@ -5980,7 +6507,7 @@
           </p:nvPr>
         </p:nvPicPr>
         <p:blipFill rotWithShape="1">
-          <a:blip r:embed="rId2">
+          <a:blip r:embed="rId3">
             <a:extLst>
               <a:ext uri="{28A0092B-C50C-407E-A947-70E740481C1C}">
                 <a14:useLocalDpi xmlns:a14="http://schemas.microsoft.com/office/drawing/2010/main" val="0"/>
@@ -6099,7 +6626,7 @@
           <p:nvPr/>
         </p:nvPicPr>
         <p:blipFill rotWithShape="1">
-          <a:blip r:embed="rId3">
+          <a:blip r:embed="rId4">
             <a:extLst>
               <a:ext uri="{28A0092B-C50C-407E-A947-70E740481C1C}">
                 <a14:useLocalDpi xmlns:a14="http://schemas.microsoft.com/office/drawing/2010/main" val="0"/>
@@ -7555,9 +8082,52 @@
           <a:chExt cx="0" cy="0"/>
         </a:xfrm>
       </p:grpSpPr>
-      <p:sp>
-        <p:nvSpPr>
-          <p:cNvPr id="26" name="Rectangle 25"/>
+      <p:pic>
+        <p:nvPicPr>
+          <p:cNvPr id="2050" name="Picture 2">
+            <a:extLst>
+              <a:ext uri="{FF2B5EF4-FFF2-40B4-BE49-F238E27FC236}">
+                <a16:creationId xmlns:a16="http://schemas.microsoft.com/office/drawing/2014/main" id="{26178BEB-E2D8-46E4-8E6F-B479C16335CF}"/>
+              </a:ext>
+            </a:extLst>
+          </p:cNvPr>
+          <p:cNvPicPr>
+            <a:picLocks noChangeAspect="1" noChangeArrowheads="1"/>
+          </p:cNvPicPr>
+          <p:nvPr/>
+        </p:nvPicPr>
+        <p:blipFill rotWithShape="1">
+          <a:blip r:embed="rId3"/>
+          <a:srcRect l="6321" t="15850" r="7076" b="21103"/>
+          <a:stretch/>
+        </p:blipFill>
+        <p:spPr bwMode="auto">
+          <a:xfrm>
+            <a:off x="0" y="0"/>
+            <a:ext cx="12191078" cy="6858000"/>
+          </a:xfrm>
+          <a:prstGeom prst="roundRect">
+            <a:avLst>
+              <a:gd name="adj" fmla="val 0"/>
+            </a:avLst>
+          </a:prstGeom>
+          <a:solidFill>
+            <a:srgbClr val="FFFFFF">
+              <a:shade val="85000"/>
+            </a:srgbClr>
+          </a:solidFill>
+          <a:ln>
+            <a:noFill/>
+          </a:ln>
+          <a:effectLst>
+            <a:reflection blurRad="12700" stA="38000" endPos="28000" dist="5000" dir="5400000" sy="-100000" algn="bl" rotWithShape="0"/>
+          </a:effectLst>
+          <a:extLst/>
+        </p:spPr>
+      </p:pic>
+      <p:sp>
+        <p:nvSpPr>
+          <p:cNvPr id="2059" name="Rectangle 70"/>
           <p:cNvSpPr>
             <a:spLocks noGrp="1" noRot="1" noChangeAspect="1" noMove="1" noResize="1" noEditPoints="1" noAdjustHandles="1" noChangeArrowheads="1" noChangeShapeType="1" noTextEdit="1"/>
           </p:cNvSpPr>
@@ -7569,45 +8139,52 @@
             </p:extLst>
           </p:nvPr>
         </p:nvSpPr>
-        <p:spPr bwMode="white">
-          <a:xfrm>
-            <a:off x="0" y="0"/>
-            <a:ext cx="12192000" cy="6858000"/>
+        <p:spPr>
+          <a:xfrm>
+            <a:off x="3891643" y="636753"/>
+            <a:ext cx="8299435" cy="5572811"/>
           </a:xfrm>
           <a:prstGeom prst="rect">
             <a:avLst/>
           </a:prstGeom>
-          <a:gradFill rotWithShape="1">
-            <a:gsLst>
-              <a:gs pos="0">
-                <a:schemeClr val="bg2">
-                  <a:tint val="94000"/>
-                  <a:satMod val="80000"/>
-                  <a:lumMod val="106000"/>
-                </a:schemeClr>
-              </a:gs>
-              <a:gs pos="100000">
-                <a:schemeClr val="bg2">
-                  <a:shade val="80000"/>
-                </a:schemeClr>
-              </a:gs>
-            </a:gsLst>
-            <a:path path="circle">
-              <a:fillToRect l="43000" r="43000" b="100000"/>
-            </a:path>
-          </a:gradFill>
+          <a:solidFill>
+            <a:srgbClr val="000001">
+              <a:alpha val="74902"/>
+            </a:srgbClr>
+          </a:solidFill>
           <a:ln>
             <a:noFill/>
           </a:ln>
-          <a:effectLst/>
-        </p:spPr>
-      </p:sp>
-      <p:sp>
-        <p:nvSpPr>
-          <p:cNvPr id="28" name="Rectangle 27"/>
-          <p:cNvSpPr>
-            <a:spLocks noGrp="1" noRot="1" noChangeAspect="1" noMove="1" noResize="1" noEditPoints="1" noAdjustHandles="1" noChangeArrowheads="1" noChangeShapeType="1" noTextEdit="1"/>
-          </p:cNvSpPr>
+        </p:spPr>
+        <p:style>
+          <a:lnRef idx="1">
+            <a:schemeClr val="accent1"/>
+          </a:lnRef>
+          <a:fillRef idx="3">
+            <a:schemeClr val="accent1"/>
+          </a:fillRef>
+          <a:effectRef idx="2">
+            <a:schemeClr val="accent1"/>
+          </a:effectRef>
+          <a:fontRef idx="minor">
+            <a:schemeClr val="lt1"/>
+          </a:fontRef>
+        </p:style>
+        <p:txBody>
+          <a:bodyPr rtlCol="0" anchor="ctr"/>
+          <a:lstStyle/>
+          <a:p>
+            <a:pPr algn="ctr"/>
+            <a:endParaRPr lang="en-US"/>
+          </a:p>
+        </p:txBody>
+      </p:sp>
+      <p:cxnSp>
+        <p:nvCxnSpPr>
+          <p:cNvPr id="2060" name="Straight Connector 72"/>
+          <p:cNvCxnSpPr>
+            <a:cxnSpLocks noGrp="1" noRot="1" noChangeAspect="1" noMove="1" noResize="1" noEditPoints="1" noAdjustHandles="1" noChangeArrowheads="1" noChangeShapeType="1"/>
+          </p:cNvCxnSpPr>
           <p:nvPr>
             <p:extLst>
               <p:ext uri="{386F3935-93C4-4BCD-93E2-E3B085C9AB24}">
@@ -7615,123 +8192,25 @@
               </p:ext>
             </p:extLst>
           </p:nvPr>
-        </p:nvSpPr>
-        <p:spPr>
-          <a:xfrm>
-            <a:off x="0" y="2019476"/>
-            <a:ext cx="12192000" cy="4105941"/>
-          </a:xfrm>
-          <a:prstGeom prst="rect">
-            <a:avLst/>
-          </a:prstGeom>
-          <a:gradFill flip="none" rotWithShape="1">
-            <a:gsLst>
-              <a:gs pos="0">
-                <a:schemeClr val="bg2">
-                  <a:alpha val="0"/>
-                </a:schemeClr>
-              </a:gs>
-              <a:gs pos="100000">
-                <a:schemeClr val="bg2"/>
-              </a:gs>
-            </a:gsLst>
-            <a:lin ang="5400000" scaled="0"/>
-            <a:tileRect/>
-          </a:gradFill>
-          <a:ln>
-            <a:noFill/>
-          </a:ln>
+        </p:nvCxnSpPr>
+        <p:spPr>
+          <a:xfrm>
+            <a:off x="4065789" y="1847088"/>
+            <a:ext cx="6813363" cy="0"/>
+          </a:xfrm>
+          <a:prstGeom prst="line">
+            <a:avLst/>
+          </a:prstGeom>
+          <a:ln w="31750"/>
         </p:spPr>
         <p:style>
-          <a:lnRef idx="2">
-            <a:schemeClr val="accent1">
-              <a:shade val="50000"/>
-            </a:schemeClr>
-          </a:lnRef>
-          <a:fillRef idx="1">
-            <a:schemeClr val="accent1"/>
-          </a:fillRef>
-          <a:effectRef idx="0">
-            <a:schemeClr val="accent1"/>
-          </a:effectRef>
-          <a:fontRef idx="minor">
-            <a:schemeClr val="lt1"/>
-          </a:fontRef>
-        </p:style>
-      </p:sp>
-      <p:pic>
-        <p:nvPicPr>
-          <p:cNvPr id="30" name="Picture 29"/>
-          <p:cNvPicPr>
-            <a:picLocks noGrp="1" noRot="1" noChangeAspect="1" noMove="1" noResize="1" noEditPoints="1" noAdjustHandles="1" noChangeArrowheads="1" noChangeShapeType="1" noCrop="1"/>
-          </p:cNvPicPr>
-          <p:nvPr>
-            <p:extLst>
-              <p:ext uri="{386F3935-93C4-4BCD-93E2-E3B085C9AB24}">
-                <p16:designElem xmlns:p16="http://schemas.microsoft.com/office/powerpoint/2015/main" val="1"/>
-              </p:ext>
-            </p:extLst>
-          </p:nvPr>
-        </p:nvPicPr>
-        <p:blipFill rotWithShape="1">
-          <a:blip r:embed="rId2">
-            <a:extLst>
-              <a:ext uri="{28A0092B-C50C-407E-A947-70E740481C1C}">
-                <a14:useLocalDpi xmlns:a14="http://schemas.microsoft.com/office/drawing/2010/main" val="0"/>
-              </a:ext>
-            </a:extLst>
-          </a:blip>
-          <a:srcRect t="1538" b="-1538"/>
-          <a:stretch/>
-        </p:blipFill>
-        <p:spPr bwMode="black">
-          <a:xfrm>
-            <a:off x="0" y="6126480"/>
-            <a:ext cx="12192000" cy="742950"/>
-          </a:xfrm>
-          <a:prstGeom prst="rect">
-            <a:avLst/>
-          </a:prstGeom>
-        </p:spPr>
-      </p:pic>
-      <p:cxnSp>
-        <p:nvCxnSpPr>
-          <p:cNvPr id="32" name="Straight Connector 31"/>
-          <p:cNvCxnSpPr>
-            <a:cxnSpLocks noGrp="1" noRot="1" noChangeAspect="1" noMove="1" noResize="1" noEditPoints="1" noAdjustHandles="1" noChangeArrowheads="1" noChangeShapeType="1"/>
-          </p:cNvCxnSpPr>
-          <p:nvPr>
-            <p:extLst>
-              <p:ext uri="{386F3935-93C4-4BCD-93E2-E3B085C9AB24}">
-                <p16:designElem xmlns:p16="http://schemas.microsoft.com/office/powerpoint/2015/main" val="1"/>
-              </p:ext>
-            </p:extLst>
-          </p:nvPr>
-        </p:nvCxnSpPr>
-        <p:spPr>
-          <a:xfrm>
-            <a:off x="0" y="6128413"/>
-            <a:ext cx="12192000" cy="0"/>
-          </a:xfrm>
-          <a:prstGeom prst="line">
-            <a:avLst/>
-          </a:prstGeom>
-          <a:ln w="12700">
-            <a:solidFill>
-              <a:srgbClr val="000001">
-                <a:alpha val="20000"/>
-              </a:srgbClr>
-            </a:solidFill>
-          </a:ln>
-        </p:spPr>
-        <p:style>
-          <a:lnRef idx="1">
+          <a:lnRef idx="3">
             <a:schemeClr val="accent1"/>
           </a:lnRef>
           <a:fillRef idx="0">
             <a:schemeClr val="accent1"/>
           </a:fillRef>
-          <a:effectRef idx="0">
+          <a:effectRef idx="2">
             <a:schemeClr val="accent1"/>
           </a:effectRef>
           <a:fontRef idx="minor">
@@ -7739,171 +8218,6 @@
           </a:fontRef>
         </p:style>
       </p:cxnSp>
-      <p:cxnSp>
-        <p:nvCxnSpPr>
-          <p:cNvPr id="34" name="Straight Connector 33"/>
-          <p:cNvCxnSpPr>
-            <a:cxnSpLocks noGrp="1" noRot="1" noChangeAspect="1" noMove="1" noResize="1" noEditPoints="1" noAdjustHandles="1" noChangeArrowheads="1" noChangeShapeType="1"/>
-          </p:cNvCxnSpPr>
-          <p:nvPr>
-            <p:extLst>
-              <p:ext uri="{386F3935-93C4-4BCD-93E2-E3B085C9AB24}">
-                <p16:designElem xmlns:p16="http://schemas.microsoft.com/office/powerpoint/2015/main" val="1"/>
-              </p:ext>
-            </p:extLst>
-          </p:nvPr>
-        </p:nvCxnSpPr>
-        <p:spPr>
-          <a:xfrm>
-            <a:off x="1453896" y="1847088"/>
-            <a:ext cx="9607522" cy="0"/>
-          </a:xfrm>
-          <a:prstGeom prst="line">
-            <a:avLst/>
-          </a:prstGeom>
-          <a:ln w="31750"/>
-        </p:spPr>
-        <p:style>
-          <a:lnRef idx="3">
-            <a:schemeClr val="accent1"/>
-          </a:lnRef>
-          <a:fillRef idx="0">
-            <a:schemeClr val="accent1"/>
-          </a:fillRef>
-          <a:effectRef idx="2">
-            <a:schemeClr val="accent1"/>
-          </a:effectRef>
-          <a:fontRef idx="minor">
-            <a:schemeClr val="tx1"/>
-          </a:fontRef>
-        </p:style>
-      </p:cxnSp>
-      <p:pic>
-        <p:nvPicPr>
-          <p:cNvPr id="4" name="Imagen 3" descr="Imagen que contiene texto&#10;&#10;Descripción generada con confianza muy alta"/>
-          <p:cNvPicPr>
-            <a:picLocks noChangeAspect="1"/>
-          </p:cNvPicPr>
-          <p:nvPr/>
-        </p:nvPicPr>
-        <p:blipFill rotWithShape="1">
-          <a:blip r:embed="rId3">
-            <a:extLst>
-              <a:ext uri="{28A0092B-C50C-407E-A947-70E740481C1C}">
-                <a14:useLocalDpi xmlns:a14="http://schemas.microsoft.com/office/drawing/2010/main" val="0"/>
-              </a:ext>
-            </a:extLst>
-          </a:blip>
-          <a:srcRect t="4518" r="-1" b="18424"/>
-          <a:stretch/>
-        </p:blipFill>
-        <p:spPr>
-          <a:xfrm>
-            <a:off x="20" y="10"/>
-            <a:ext cx="12191675" cy="6857990"/>
-          </a:xfrm>
-          <a:prstGeom prst="rect">
-            <a:avLst/>
-          </a:prstGeom>
-        </p:spPr>
-      </p:pic>
-      <p:sp>
-        <p:nvSpPr>
-          <p:cNvPr id="36" name="Rectangle 35"/>
-          <p:cNvSpPr>
-            <a:spLocks noGrp="1" noRot="1" noChangeAspect="1" noMove="1" noResize="1" noEditPoints="1" noAdjustHandles="1" noChangeArrowheads="1" noChangeShapeType="1" noTextEdit="1"/>
-          </p:cNvSpPr>
-          <p:nvPr>
-            <p:extLst>
-              <p:ext uri="{386F3935-93C4-4BCD-93E2-E3B085C9AB24}">
-                <p16:designElem xmlns:p16="http://schemas.microsoft.com/office/powerpoint/2015/main" val="1"/>
-              </p:ext>
-            </p:extLst>
-          </p:nvPr>
-        </p:nvSpPr>
-        <p:spPr>
-          <a:xfrm>
-            <a:off x="0" y="4907589"/>
-            <a:ext cx="8295215" cy="1452930"/>
-          </a:xfrm>
-          <a:prstGeom prst="rect">
-            <a:avLst/>
-          </a:prstGeom>
-          <a:solidFill>
-            <a:srgbClr val="000001">
-              <a:alpha val="75000"/>
-            </a:srgbClr>
-          </a:solidFill>
-          <a:ln>
-            <a:noFill/>
-          </a:ln>
-        </p:spPr>
-        <p:style>
-          <a:lnRef idx="1">
-            <a:schemeClr val="accent1"/>
-          </a:lnRef>
-          <a:fillRef idx="3">
-            <a:schemeClr val="accent1"/>
-          </a:fillRef>
-          <a:effectRef idx="2">
-            <a:schemeClr val="accent1"/>
-          </a:effectRef>
-          <a:fontRef idx="minor">
-            <a:schemeClr val="lt1"/>
-          </a:fontRef>
-        </p:style>
-        <p:txBody>
-          <a:bodyPr rtlCol="0" anchor="ctr"/>
-          <a:lstStyle/>
-          <a:p>
-            <a:pPr algn="ctr"/>
-            <a:endParaRPr lang="en-US"/>
-          </a:p>
-        </p:txBody>
-      </p:sp>
-      <p:cxnSp>
-        <p:nvCxnSpPr>
-          <p:cNvPr id="38" name="Straight Connector 37"/>
-          <p:cNvCxnSpPr>
-            <a:cxnSpLocks noGrp="1" noRot="1" noChangeAspect="1" noMove="1" noResize="1" noEditPoints="1" noAdjustHandles="1" noChangeArrowheads="1" noChangeShapeType="1"/>
-          </p:cNvCxnSpPr>
-          <p:nvPr>
-            <p:extLst>
-              <p:ext uri="{386F3935-93C4-4BCD-93E2-E3B085C9AB24}">
-                <p16:designElem xmlns:p16="http://schemas.microsoft.com/office/powerpoint/2015/main" val="1"/>
-              </p:ext>
-            </p:extLst>
-          </p:nvPr>
-        </p:nvCxnSpPr>
-        <p:spPr>
-          <a:xfrm>
-            <a:off x="1298990" y="5075836"/>
-            <a:ext cx="6832499" cy="0"/>
-          </a:xfrm>
-          <a:prstGeom prst="line">
-            <a:avLst/>
-          </a:prstGeom>
-          <a:ln>
-            <a:solidFill>
-              <a:srgbClr val="FBF9A3"/>
-            </a:solidFill>
-          </a:ln>
-        </p:spPr>
-        <p:style>
-          <a:lnRef idx="3">
-            <a:schemeClr val="accent1"/>
-          </a:lnRef>
-          <a:fillRef idx="0">
-            <a:schemeClr val="accent1"/>
-          </a:fillRef>
-          <a:effectRef idx="2">
-            <a:schemeClr val="accent1"/>
-          </a:effectRef>
-          <a:fontRef idx="minor">
-            <a:schemeClr val="tx1"/>
-          </a:fontRef>
-        </p:style>
-      </p:cxnSp>
       <p:sp>
         <p:nvSpPr>
           <p:cNvPr id="2" name="Título 1"/>
@@ -7916,23 +8230,18 @@
         </p:nvSpPr>
         <p:spPr>
           <a:xfrm>
-            <a:off x="1293993" y="5241371"/>
-            <a:ext cx="6835556" cy="954556"/>
-          </a:xfrm>
-        </p:spPr>
-        <p:txBody>
-          <a:bodyPr vert="horz" lIns="91440" tIns="45720" rIns="91440" bIns="45720" rtlCol="0" anchor="t">
+            <a:off x="4063421" y="804520"/>
+            <a:ext cx="6815731" cy="1049235"/>
+          </a:xfrm>
+        </p:spPr>
+        <p:txBody>
+          <a:bodyPr>
             <a:normAutofit/>
           </a:bodyPr>
           <a:lstStyle/>
           <a:p>
-            <a:pPr algn="r">
-              <a:lnSpc>
-                <a:spcPct val="80000"/>
-              </a:lnSpc>
-            </a:pPr>
-            <a:r>
-              <a:rPr lang="es-CO" dirty="0">
+            <a:r>
+              <a:rPr lang="es-CO" b="1" dirty="0">
                 <a:solidFill>
                   <a:srgbClr val="FFFFFE"/>
                 </a:solidFill>
@@ -7946,10 +8255,10 @@
                 <a:latin typeface="ChunkFive" pitchFamily="2" charset="0"/>
                 <a:ea typeface="ChunkFive" pitchFamily="2" charset="0"/>
               </a:rPr>
-              <a:t>Vista Lógica</a:t>
+              <a:t>+ 1</a:t>
             </a:r>
             <a:br>
-              <a:rPr lang="es-CO" dirty="0">
+              <a:rPr lang="es-CO" b="1" dirty="0">
                 <a:solidFill>
                   <a:srgbClr val="FFFFFE"/>
                 </a:solidFill>
@@ -7965,7 +8274,7 @@
               </a:rPr>
             </a:br>
             <a:r>
-              <a:rPr lang="es-CO" dirty="0">
+              <a:rPr lang="es-CO" b="1" dirty="0">
                 <a:solidFill>
                   <a:srgbClr val="FFFFFE"/>
                 </a:solidFill>
@@ -7979,15 +8288,227 @@
                 <a:latin typeface="ChunkFive" pitchFamily="2" charset="0"/>
                 <a:ea typeface="ChunkFive" pitchFamily="2" charset="0"/>
               </a:rPr>
-              <a:t>(Diagrama de Clases) </a:t>
-            </a:r>
+              <a:t>Caso de uso y escenarios</a:t>
+            </a:r>
+          </a:p>
+        </p:txBody>
+      </p:sp>
+      <p:sp>
+        <p:nvSpPr>
+          <p:cNvPr id="3" name="Marcador de contenido 2"/>
+          <p:cNvSpPr>
+            <a:spLocks noGrp="1"/>
+          </p:cNvSpPr>
+          <p:nvPr>
+            <p:ph idx="1"/>
+          </p:nvPr>
+        </p:nvSpPr>
+        <p:spPr>
+          <a:xfrm>
+            <a:off x="4063421" y="2015733"/>
+            <a:ext cx="6815731" cy="4021267"/>
+          </a:xfrm>
+        </p:spPr>
+        <p:txBody>
+          <a:bodyPr>
+            <a:normAutofit fontScale="85000" lnSpcReduction="10000"/>
+          </a:bodyPr>
+          <a:lstStyle/>
+          <a:p>
+            <a:pPr>
+              <a:buClr>
+                <a:srgbClr val="FF582E"/>
+              </a:buClr>
+            </a:pPr>
+            <a:r>
+              <a:rPr lang="es-CO" sz="2800" b="1" dirty="0">
+                <a:solidFill>
+                  <a:srgbClr val="FFFFFE"/>
+                </a:solidFill>
+                <a:effectLst>
+                  <a:outerShdw blurRad="38100" dist="38100" dir="2700000" algn="tl">
+                    <a:srgbClr val="000000">
+                      <a:alpha val="43137"/>
+                    </a:srgbClr>
+                  </a:outerShdw>
+                </a:effectLst>
+                <a:latin typeface="Arial" panose="020B0604020202020204" pitchFamily="34" charset="0"/>
+                <a:cs typeface="Arial" panose="020B0604020202020204" pitchFamily="34" charset="0"/>
+              </a:rPr>
+              <a:t>Administrar usuarios</a:t>
+            </a:r>
+          </a:p>
+          <a:p>
+            <a:pPr>
+              <a:buClr>
+                <a:srgbClr val="FF582E"/>
+              </a:buClr>
+            </a:pPr>
+            <a:r>
+              <a:rPr lang="es-CO" sz="2800" b="1" dirty="0">
+                <a:solidFill>
+                  <a:srgbClr val="FFFFFE"/>
+                </a:solidFill>
+                <a:effectLst>
+                  <a:outerShdw blurRad="38100" dist="38100" dir="2700000" algn="tl">
+                    <a:srgbClr val="000000">
+                      <a:alpha val="43137"/>
+                    </a:srgbClr>
+                  </a:outerShdw>
+                </a:effectLst>
+                <a:latin typeface="Arial" panose="020B0604020202020204" pitchFamily="34" charset="0"/>
+                <a:cs typeface="Arial" panose="020B0604020202020204" pitchFamily="34" charset="0"/>
+              </a:rPr>
+              <a:t>Administrar pacientes.</a:t>
+            </a:r>
+          </a:p>
+          <a:p>
+            <a:pPr>
+              <a:buClr>
+                <a:srgbClr val="FF582E"/>
+              </a:buClr>
+            </a:pPr>
+            <a:r>
+              <a:rPr lang="es-CO" sz="2800" b="1" dirty="0">
+                <a:solidFill>
+                  <a:srgbClr val="FFFFFE"/>
+                </a:solidFill>
+                <a:effectLst>
+                  <a:outerShdw blurRad="38100" dist="38100" dir="2700000" algn="tl">
+                    <a:srgbClr val="000000">
+                      <a:alpha val="43137"/>
+                    </a:srgbClr>
+                  </a:outerShdw>
+                </a:effectLst>
+                <a:latin typeface="Arial" panose="020B0604020202020204" pitchFamily="34" charset="0"/>
+                <a:cs typeface="Arial" panose="020B0604020202020204" pitchFamily="34" charset="0"/>
+              </a:rPr>
+              <a:t>Administrar diagnóstico.</a:t>
+            </a:r>
+          </a:p>
+          <a:p>
+            <a:pPr>
+              <a:buClr>
+                <a:srgbClr val="FF582E"/>
+              </a:buClr>
+            </a:pPr>
+            <a:r>
+              <a:rPr lang="es-CO" sz="2800" b="1" dirty="0">
+                <a:solidFill>
+                  <a:srgbClr val="FFFFFE"/>
+                </a:solidFill>
+                <a:effectLst>
+                  <a:outerShdw blurRad="38100" dist="38100" dir="2700000" algn="tl">
+                    <a:srgbClr val="000000">
+                      <a:alpha val="43137"/>
+                    </a:srgbClr>
+                  </a:outerShdw>
+                </a:effectLst>
+                <a:latin typeface="Arial" panose="020B0604020202020204" pitchFamily="34" charset="0"/>
+                <a:cs typeface="Arial" panose="020B0604020202020204" pitchFamily="34" charset="0"/>
+              </a:rPr>
+              <a:t>Administrar tratamiento.</a:t>
+            </a:r>
+          </a:p>
+          <a:p>
+            <a:pPr>
+              <a:buClr>
+                <a:srgbClr val="FF582E"/>
+              </a:buClr>
+            </a:pPr>
+            <a:r>
+              <a:rPr lang="es-CO" sz="2800" b="1" dirty="0">
+                <a:solidFill>
+                  <a:srgbClr val="FFFFFE"/>
+                </a:solidFill>
+                <a:effectLst>
+                  <a:outerShdw blurRad="38100" dist="38100" dir="2700000" algn="tl">
+                    <a:srgbClr val="000000">
+                      <a:alpha val="43137"/>
+                    </a:srgbClr>
+                  </a:outerShdw>
+                </a:effectLst>
+                <a:latin typeface="Arial" panose="020B0604020202020204" pitchFamily="34" charset="0"/>
+                <a:cs typeface="Arial" panose="020B0604020202020204" pitchFamily="34" charset="0"/>
+              </a:rPr>
+              <a:t>Administrar Examen intra-oral y extra-oral</a:t>
+            </a:r>
+          </a:p>
+          <a:p>
+            <a:pPr>
+              <a:buClr>
+                <a:srgbClr val="FF582E"/>
+              </a:buClr>
+            </a:pPr>
+            <a:r>
+              <a:rPr lang="es-CO" sz="2800" b="1" dirty="0">
+                <a:solidFill>
+                  <a:srgbClr val="FFFFFE"/>
+                </a:solidFill>
+                <a:effectLst>
+                  <a:outerShdw blurRad="38100" dist="38100" dir="2700000" algn="tl">
+                    <a:srgbClr val="000000">
+                      <a:alpha val="43137"/>
+                    </a:srgbClr>
+                  </a:outerShdw>
+                </a:effectLst>
+                <a:latin typeface="Arial" panose="020B0604020202020204" pitchFamily="34" charset="0"/>
+                <a:cs typeface="Arial" panose="020B0604020202020204" pitchFamily="34" charset="0"/>
+              </a:rPr>
+              <a:t>Administrar Anamnesis </a:t>
+            </a:r>
+          </a:p>
+          <a:p>
+            <a:pPr>
+              <a:buClr>
+                <a:srgbClr val="FF582E"/>
+              </a:buClr>
+            </a:pPr>
+            <a:r>
+              <a:rPr lang="es-CO" sz="2800" b="1" dirty="0">
+                <a:solidFill>
+                  <a:srgbClr val="FFFFFE"/>
+                </a:solidFill>
+                <a:effectLst>
+                  <a:outerShdw blurRad="38100" dist="38100" dir="2700000" algn="tl">
+                    <a:srgbClr val="000000">
+                      <a:alpha val="43137"/>
+                    </a:srgbClr>
+                  </a:outerShdw>
+                </a:effectLst>
+                <a:latin typeface="Arial" panose="020B0604020202020204" pitchFamily="34" charset="0"/>
+                <a:cs typeface="Arial" panose="020B0604020202020204" pitchFamily="34" charset="0"/>
+              </a:rPr>
+              <a:t>Generar reportes. </a:t>
+            </a:r>
+          </a:p>
+          <a:p>
+            <a:pPr>
+              <a:buClr>
+                <a:srgbClr val="FF582E"/>
+              </a:buClr>
+            </a:pPr>
+            <a:endParaRPr lang="es-CO" b="1" dirty="0">
+              <a:solidFill>
+                <a:srgbClr val="FFFFFE"/>
+              </a:solidFill>
+              <a:effectLst>
+                <a:outerShdw blurRad="38100" dist="38100" dir="2700000" algn="tl">
+                  <a:srgbClr val="000000">
+                    <a:alpha val="43137"/>
+                  </a:srgbClr>
+                </a:outerShdw>
+              </a:effectLst>
+              <a:latin typeface="Arial" panose="020B0604020202020204" pitchFamily="34" charset="0"/>
+              <a:cs typeface="Arial" panose="020B0604020202020204" pitchFamily="34" charset="0"/>
+            </a:endParaRPr>
           </a:p>
         </p:txBody>
       </p:sp>
     </p:spTree>
     <p:extLst>
       <p:ext uri="{BB962C8B-B14F-4D97-AF65-F5344CB8AC3E}">
-        <p14:creationId xmlns:p14="http://schemas.microsoft.com/office/powerpoint/2010/main" val="3356608878"/>
+        <p14:creationId xmlns:p14="http://schemas.microsoft.com/office/powerpoint/2010/main" val="1674991818"/>
       </p:ext>
     </p:extLst>
   </p:cSld>
@@ -8014,60 +8535,9 @@
           <a:chExt cx="0" cy="0"/>
         </a:xfrm>
       </p:grpSpPr>
-      <p:pic>
-        <p:nvPicPr>
-          <p:cNvPr id="2050" name="Picture 2">
-            <a:extLst>
-              <a:ext uri="{FF2B5EF4-FFF2-40B4-BE49-F238E27FC236}">
-                <a16:creationId xmlns:a16="http://schemas.microsoft.com/office/drawing/2014/main" id="{26178BEB-E2D8-46E4-8E6F-B479C16335CF}"/>
-              </a:ext>
-            </a:extLst>
-          </p:cNvPr>
-          <p:cNvPicPr>
-            <a:picLocks noChangeAspect="1" noChangeArrowheads="1"/>
-          </p:cNvPicPr>
-          <p:nvPr/>
-        </p:nvPicPr>
-        <p:blipFill rotWithShape="1">
-          <a:blip r:embed="rId2"/>
-          <a:srcRect l="6321" t="15850" r="7076" b="21103"/>
-          <a:stretch/>
-        </p:blipFill>
-        <p:spPr bwMode="auto">
-          <a:xfrm>
-            <a:off x="0" y="0"/>
-            <a:ext cx="12191078" cy="6858000"/>
-          </a:xfrm>
-          <a:prstGeom prst="roundRect">
-            <a:avLst>
-              <a:gd name="adj" fmla="val 0"/>
-            </a:avLst>
-          </a:prstGeom>
-          <a:solidFill>
-            <a:srgbClr val="FFFFFF">
-              <a:shade val="85000"/>
-            </a:srgbClr>
-          </a:solidFill>
-          <a:ln>
-            <a:noFill/>
-          </a:ln>
-          <a:effectLst>
-            <a:reflection blurRad="12700" stA="38000" endPos="28000" dist="5000" dir="5400000" sy="-100000" algn="bl" rotWithShape="0"/>
-          </a:effectLst>
-          <a:extLst>
-            <a:ext uri="{909E8E84-426E-40DD-AFC4-6F175D3DCCD1}">
-              <a14:hiddenFill xmlns:a14="http://schemas.microsoft.com/office/drawing/2010/main">
-                <a:solidFill>
-                  <a:srgbClr val="FFFFFF"/>
-                </a:solidFill>
-              </a14:hiddenFill>
-            </a:ext>
-          </a:extLst>
-        </p:spPr>
-      </p:pic>
-      <p:sp>
-        <p:nvSpPr>
-          <p:cNvPr id="2059" name="Rectangle 70"/>
+      <p:sp>
+        <p:nvSpPr>
+          <p:cNvPr id="26" name="Rectangle 25"/>
           <p:cNvSpPr>
             <a:spLocks noGrp="1" noRot="1" noChangeAspect="1" noMove="1" noResize="1" noEditPoints="1" noAdjustHandles="1" noChangeArrowheads="1" noChangeShapeType="1" noTextEdit="1"/>
           </p:cNvSpPr>
@@ -8079,52 +8549,102 @@
             </p:extLst>
           </p:nvPr>
         </p:nvSpPr>
-        <p:spPr>
-          <a:xfrm>
-            <a:off x="3891643" y="636753"/>
-            <a:ext cx="8299435" cy="5572811"/>
+        <p:spPr bwMode="white">
+          <a:xfrm>
+            <a:off x="0" y="0"/>
+            <a:ext cx="12192000" cy="6858000"/>
           </a:xfrm>
           <a:prstGeom prst="rect">
             <a:avLst/>
           </a:prstGeom>
-          <a:solidFill>
-            <a:srgbClr val="000001">
-              <a:alpha val="74902"/>
-            </a:srgbClr>
-          </a:solidFill>
+          <a:gradFill rotWithShape="1">
+            <a:gsLst>
+              <a:gs pos="0">
+                <a:schemeClr val="bg2">
+                  <a:tint val="94000"/>
+                  <a:satMod val="80000"/>
+                  <a:lumMod val="106000"/>
+                </a:schemeClr>
+              </a:gs>
+              <a:gs pos="100000">
+                <a:schemeClr val="bg2">
+                  <a:shade val="80000"/>
+                </a:schemeClr>
+              </a:gs>
+            </a:gsLst>
+            <a:path path="circle">
+              <a:fillToRect l="43000" r="43000" b="100000"/>
+            </a:path>
+          </a:gradFill>
           <a:ln>
             <a:noFill/>
           </a:ln>
+          <a:effectLst/>
+        </p:spPr>
+      </p:sp>
+      <p:sp>
+        <p:nvSpPr>
+          <p:cNvPr id="28" name="Rectangle 27"/>
+          <p:cNvSpPr>
+            <a:spLocks noGrp="1" noRot="1" noChangeAspect="1" noMove="1" noResize="1" noEditPoints="1" noAdjustHandles="1" noChangeArrowheads="1" noChangeShapeType="1" noTextEdit="1"/>
+          </p:cNvSpPr>
+          <p:nvPr>
+            <p:extLst>
+              <p:ext uri="{386F3935-93C4-4BCD-93E2-E3B085C9AB24}">
+                <p16:designElem xmlns:p16="http://schemas.microsoft.com/office/powerpoint/2015/main" val="1"/>
+              </p:ext>
+            </p:extLst>
+          </p:nvPr>
+        </p:nvSpPr>
+        <p:spPr>
+          <a:xfrm>
+            <a:off x="0" y="2019476"/>
+            <a:ext cx="12192000" cy="4105941"/>
+          </a:xfrm>
+          <a:prstGeom prst="rect">
+            <a:avLst/>
+          </a:prstGeom>
+          <a:gradFill flip="none" rotWithShape="1">
+            <a:gsLst>
+              <a:gs pos="0">
+                <a:schemeClr val="bg2">
+                  <a:alpha val="0"/>
+                </a:schemeClr>
+              </a:gs>
+              <a:gs pos="100000">
+                <a:schemeClr val="bg2"/>
+              </a:gs>
+            </a:gsLst>
+            <a:lin ang="5400000" scaled="0"/>
+            <a:tileRect/>
+          </a:gradFill>
+          <a:ln>
+            <a:noFill/>
+          </a:ln>
         </p:spPr>
         <p:style>
-          <a:lnRef idx="1">
-            <a:schemeClr val="accent1"/>
+          <a:lnRef idx="2">
+            <a:schemeClr val="accent1">
+              <a:shade val="50000"/>
+            </a:schemeClr>
           </a:lnRef>
-          <a:fillRef idx="3">
+          <a:fillRef idx="1">
             <a:schemeClr val="accent1"/>
           </a:fillRef>
-          <a:effectRef idx="2">
+          <a:effectRef idx="0">
             <a:schemeClr val="accent1"/>
           </a:effectRef>
           <a:fontRef idx="minor">
             <a:schemeClr val="lt1"/>
           </a:fontRef>
         </p:style>
-        <p:txBody>
-          <a:bodyPr rtlCol="0" anchor="ctr"/>
-          <a:lstStyle/>
-          <a:p>
-            <a:pPr algn="ctr"/>
-            <a:endParaRPr lang="en-US"/>
-          </a:p>
-        </p:txBody>
-      </p:sp>
-      <p:cxnSp>
-        <p:nvCxnSpPr>
-          <p:cNvPr id="2060" name="Straight Connector 72"/>
-          <p:cNvCxnSpPr>
-            <a:cxnSpLocks noGrp="1" noRot="1" noChangeAspect="1" noMove="1" noResize="1" noEditPoints="1" noAdjustHandles="1" noChangeArrowheads="1" noChangeShapeType="1"/>
-          </p:cNvCxnSpPr>
+      </p:sp>
+      <p:pic>
+        <p:nvPicPr>
+          <p:cNvPr id="30" name="Picture 29"/>
+          <p:cNvPicPr>
+            <a:picLocks noGrp="1" noRot="1" noChangeAspect="1" noMove="1" noResize="1" noEditPoints="1" noAdjustHandles="1" noChangeArrowheads="1" noChangeShapeType="1" noCrop="1"/>
+          </p:cNvPicPr>
           <p:nvPr>
             <p:extLst>
               <p:ext uri="{386F3935-93C4-4BCD-93E2-E3B085C9AB24}">
@@ -8132,25 +8652,66 @@
               </p:ext>
             </p:extLst>
           </p:nvPr>
+        </p:nvPicPr>
+        <p:blipFill rotWithShape="1">
+          <a:blip r:embed="rId2">
+            <a:extLst>
+              <a:ext uri="{28A0092B-C50C-407E-A947-70E740481C1C}">
+                <a14:useLocalDpi xmlns:a14="http://schemas.microsoft.com/office/drawing/2010/main" val="0"/>
+              </a:ext>
+            </a:extLst>
+          </a:blip>
+          <a:srcRect t="1538" b="-1538"/>
+          <a:stretch/>
+        </p:blipFill>
+        <p:spPr bwMode="black">
+          <a:xfrm>
+            <a:off x="0" y="6126480"/>
+            <a:ext cx="12192000" cy="742950"/>
+          </a:xfrm>
+          <a:prstGeom prst="rect">
+            <a:avLst/>
+          </a:prstGeom>
+        </p:spPr>
+      </p:pic>
+      <p:cxnSp>
+        <p:nvCxnSpPr>
+          <p:cNvPr id="32" name="Straight Connector 31"/>
+          <p:cNvCxnSpPr>
+            <a:cxnSpLocks noGrp="1" noRot="1" noChangeAspect="1" noMove="1" noResize="1" noEditPoints="1" noAdjustHandles="1" noChangeArrowheads="1" noChangeShapeType="1"/>
+          </p:cNvCxnSpPr>
+          <p:nvPr>
+            <p:extLst>
+              <p:ext uri="{386F3935-93C4-4BCD-93E2-E3B085C9AB24}">
+                <p16:designElem xmlns:p16="http://schemas.microsoft.com/office/powerpoint/2015/main" val="1"/>
+              </p:ext>
+            </p:extLst>
+          </p:nvPr>
         </p:nvCxnSpPr>
         <p:spPr>
           <a:xfrm>
-            <a:off x="4065789" y="1847088"/>
-            <a:ext cx="6813363" cy="0"/>
+            <a:off x="0" y="6128413"/>
+            <a:ext cx="12192000" cy="0"/>
           </a:xfrm>
           <a:prstGeom prst="line">
             <a:avLst/>
           </a:prstGeom>
-          <a:ln w="31750"/>
+          <a:ln w="12700">
+            <a:solidFill>
+              <a:srgbClr val="000001">
+                <a:alpha val="20000"/>
+              </a:srgbClr>
+            </a:solidFill>
+          </a:ln>
         </p:spPr>
         <p:style>
-          <a:lnRef idx="3">
+          <a:lnRef idx="1">
             <a:schemeClr val="accent1"/>
           </a:lnRef>
           <a:fillRef idx="0">
             <a:schemeClr val="accent1"/>
           </a:fillRef>
-          <a:effectRef idx="2">
+          <a:effectRef idx="0">
             <a:schemeClr val="accent1"/>
           </a:effectRef>
           <a:fontRef idx="minor">
@@ -8158,6 +8719,171 @@
           </a:fontRef>
         </p:style>
       </p:cxnSp>
+      <p:cxnSp>
+        <p:nvCxnSpPr>
+          <p:cNvPr id="34" name="Straight Connector 33"/>
+          <p:cNvCxnSpPr>
+            <a:cxnSpLocks noGrp="1" noRot="1" noChangeAspect="1" noMove="1" noResize="1" noEditPoints="1" noAdjustHandles="1" noChangeArrowheads="1" noChangeShapeType="1"/>
+          </p:cNvCxnSpPr>
+          <p:nvPr>
+            <p:extLst>
+              <p:ext uri="{386F3935-93C4-4BCD-93E2-E3B085C9AB24}">
+                <p16:designElem xmlns:p16="http://schemas.microsoft.com/office/powerpoint/2015/main" val="1"/>
+              </p:ext>
+            </p:extLst>
+          </p:nvPr>
+        </p:nvCxnSpPr>
+        <p:spPr>
+          <a:xfrm>
+            <a:off x="1453896" y="1847088"/>
+            <a:ext cx="9607522" cy="0"/>
+          </a:xfrm>
+          <a:prstGeom prst="line">
+            <a:avLst/>
+          </a:prstGeom>
+          <a:ln w="31750"/>
+        </p:spPr>
+        <p:style>
+          <a:lnRef idx="3">
+            <a:schemeClr val="accent1"/>
+          </a:lnRef>
+          <a:fillRef idx="0">
+            <a:schemeClr val="accent1"/>
+          </a:fillRef>
+          <a:effectRef idx="2">
+            <a:schemeClr val="accent1"/>
+          </a:effectRef>
+          <a:fontRef idx="minor">
+            <a:schemeClr val="tx1"/>
+          </a:fontRef>
+        </p:style>
+      </p:cxnSp>
+      <p:pic>
+        <p:nvPicPr>
+          <p:cNvPr id="4" name="Imagen 3" descr="Imagen que contiene texto&#10;&#10;Descripción generada con confianza muy alta"/>
+          <p:cNvPicPr>
+            <a:picLocks noChangeAspect="1"/>
+          </p:cNvPicPr>
+          <p:nvPr/>
+        </p:nvPicPr>
+        <p:blipFill rotWithShape="1">
+          <a:blip r:embed="rId3">
+            <a:extLst>
+              <a:ext uri="{28A0092B-C50C-407E-A947-70E740481C1C}">
+                <a14:useLocalDpi xmlns:a14="http://schemas.microsoft.com/office/drawing/2010/main" val="0"/>
+              </a:ext>
+            </a:extLst>
+          </a:blip>
+          <a:srcRect t="4518" r="-1" b="18424"/>
+          <a:stretch/>
+        </p:blipFill>
+        <p:spPr>
+          <a:xfrm>
+            <a:off x="20" y="10"/>
+            <a:ext cx="12191675" cy="6857990"/>
+          </a:xfrm>
+          <a:prstGeom prst="rect">
+            <a:avLst/>
+          </a:prstGeom>
+        </p:spPr>
+      </p:pic>
+      <p:sp>
+        <p:nvSpPr>
+          <p:cNvPr id="36" name="Rectangle 35"/>
+          <p:cNvSpPr>
+            <a:spLocks noGrp="1" noRot="1" noChangeAspect="1" noMove="1" noResize="1" noEditPoints="1" noAdjustHandles="1" noChangeArrowheads="1" noChangeShapeType="1" noTextEdit="1"/>
+          </p:cNvSpPr>
+          <p:nvPr>
+            <p:extLst>
+              <p:ext uri="{386F3935-93C4-4BCD-93E2-E3B085C9AB24}">
+                <p16:designElem xmlns:p16="http://schemas.microsoft.com/office/powerpoint/2015/main" val="1"/>
+              </p:ext>
+            </p:extLst>
+          </p:nvPr>
+        </p:nvSpPr>
+        <p:spPr>
+          <a:xfrm>
+            <a:off x="0" y="4907589"/>
+            <a:ext cx="8295215" cy="1452930"/>
+          </a:xfrm>
+          <a:prstGeom prst="rect">
+            <a:avLst/>
+          </a:prstGeom>
+          <a:solidFill>
+            <a:srgbClr val="000001">
+              <a:alpha val="75000"/>
+            </a:srgbClr>
+          </a:solidFill>
+          <a:ln>
+            <a:noFill/>
+          </a:ln>
+        </p:spPr>
+        <p:style>
+          <a:lnRef idx="1">
+            <a:schemeClr val="accent1"/>
+          </a:lnRef>
+          <a:fillRef idx="3">
+            <a:schemeClr val="accent1"/>
+          </a:fillRef>
+          <a:effectRef idx="2">
+            <a:schemeClr val="accent1"/>
+          </a:effectRef>
+          <a:fontRef idx="minor">
+            <a:schemeClr val="lt1"/>
+          </a:fontRef>
+        </p:style>
+        <p:txBody>
+          <a:bodyPr rtlCol="0" anchor="ctr"/>
+          <a:lstStyle/>
+          <a:p>
+            <a:pPr algn="ctr"/>
+            <a:endParaRPr lang="en-US"/>
+          </a:p>
+        </p:txBody>
+      </p:sp>
+      <p:cxnSp>
+        <p:nvCxnSpPr>
+          <p:cNvPr id="38" name="Straight Connector 37"/>
+          <p:cNvCxnSpPr>
+            <a:cxnSpLocks noGrp="1" noRot="1" noChangeAspect="1" noMove="1" noResize="1" noEditPoints="1" noAdjustHandles="1" noChangeArrowheads="1" noChangeShapeType="1"/>
+          </p:cNvCxnSpPr>
+          <p:nvPr>
+            <p:extLst>
+              <p:ext uri="{386F3935-93C4-4BCD-93E2-E3B085C9AB24}">
+                <p16:designElem xmlns:p16="http://schemas.microsoft.com/office/powerpoint/2015/main" val="1"/>
+              </p:ext>
+            </p:extLst>
+          </p:nvPr>
+        </p:nvCxnSpPr>
+        <p:spPr>
+          <a:xfrm>
+            <a:off x="1298990" y="5075836"/>
+            <a:ext cx="6832499" cy="0"/>
+          </a:xfrm>
+          <a:prstGeom prst="line">
+            <a:avLst/>
+          </a:prstGeom>
+          <a:ln>
+            <a:solidFill>
+              <a:srgbClr val="FBF9A3"/>
+            </a:solidFill>
+          </a:ln>
+        </p:spPr>
+        <p:style>
+          <a:lnRef idx="3">
+            <a:schemeClr val="accent1"/>
+          </a:lnRef>
+          <a:fillRef idx="0">
+            <a:schemeClr val="accent1"/>
+          </a:fillRef>
+          <a:effectRef idx="2">
+            <a:schemeClr val="accent1"/>
+          </a:effectRef>
+          <a:fontRef idx="minor">
+            <a:schemeClr val="tx1"/>
+          </a:fontRef>
+        </p:style>
+      </p:cxnSp>
       <p:sp>
         <p:nvSpPr>
           <p:cNvPr id="2" name="Título 1"/>
@@ -8170,18 +8896,23 @@
         </p:nvSpPr>
         <p:spPr>
           <a:xfrm>
-            <a:off x="4063421" y="804520"/>
-            <a:ext cx="6815731" cy="1049235"/>
-          </a:xfrm>
-        </p:spPr>
-        <p:txBody>
-          <a:bodyPr>
+            <a:off x="1293993" y="5241371"/>
+            <a:ext cx="6835556" cy="954556"/>
+          </a:xfrm>
+        </p:spPr>
+        <p:txBody>
+          <a:bodyPr vert="horz" lIns="91440" tIns="45720" rIns="91440" bIns="45720" rtlCol="0" anchor="t">
             <a:normAutofit/>
           </a:bodyPr>
           <a:lstStyle/>
           <a:p>
-            <a:r>
-              <a:rPr lang="es-CO" b="1" dirty="0">
+            <a:pPr algn="r">
+              <a:lnSpc>
+                <a:spcPct val="80000"/>
+              </a:lnSpc>
+            </a:pPr>
+            <a:r>
+              <a:rPr lang="es-CO" dirty="0">
                 <a:solidFill>
                   <a:srgbClr val="FFFFFE"/>
                 </a:solidFill>
@@ -8195,10 +8926,10 @@
                 <a:latin typeface="ChunkFive" pitchFamily="2" charset="0"/>
                 <a:ea typeface="ChunkFive" pitchFamily="2" charset="0"/>
               </a:rPr>
-              <a:t>+ 1</a:t>
+              <a:t>Vista Lógica</a:t>
             </a:r>
             <a:br>
-              <a:rPr lang="es-CO" b="1" dirty="0">
+              <a:rPr lang="es-CO" dirty="0">
                 <a:solidFill>
                   <a:srgbClr val="FFFFFE"/>
                 </a:solidFill>
@@ -8214,7 +8945,7 @@
               </a:rPr>
             </a:br>
             <a:r>
-              <a:rPr lang="es-CO" b="1" dirty="0">
+              <a:rPr lang="es-CO" dirty="0">
                 <a:solidFill>
                   <a:srgbClr val="FFFFFE"/>
                 </a:solidFill>
@@ -8228,227 +8959,15 @@
                 <a:latin typeface="ChunkFive" pitchFamily="2" charset="0"/>
                 <a:ea typeface="ChunkFive" pitchFamily="2" charset="0"/>
               </a:rPr>
-              <a:t>Caso de uso y escenarios</a:t>
-            </a:r>
-          </a:p>
-        </p:txBody>
-      </p:sp>
-      <p:sp>
-        <p:nvSpPr>
-          <p:cNvPr id="3" name="Marcador de contenido 2"/>
-          <p:cNvSpPr>
-            <a:spLocks noGrp="1"/>
-          </p:cNvSpPr>
-          <p:nvPr>
-            <p:ph idx="1"/>
-          </p:nvPr>
-        </p:nvSpPr>
-        <p:spPr>
-          <a:xfrm>
-            <a:off x="4063421" y="2015733"/>
-            <a:ext cx="6815731" cy="4021267"/>
-          </a:xfrm>
-        </p:spPr>
-        <p:txBody>
-          <a:bodyPr>
-            <a:normAutofit fontScale="85000" lnSpcReduction="10000"/>
-          </a:bodyPr>
-          <a:lstStyle/>
-          <a:p>
-            <a:pPr>
-              <a:buClr>
-                <a:srgbClr val="FF582E"/>
-              </a:buClr>
-            </a:pPr>
-            <a:r>
-              <a:rPr lang="es-CO" sz="2800" b="1" dirty="0">
-                <a:solidFill>
-                  <a:srgbClr val="FFFFFE"/>
-                </a:solidFill>
-                <a:effectLst>
-                  <a:outerShdw blurRad="38100" dist="38100" dir="2700000" algn="tl">
-                    <a:srgbClr val="000000">
-                      <a:alpha val="43137"/>
-                    </a:srgbClr>
-                  </a:outerShdw>
-                </a:effectLst>
-                <a:latin typeface="Arial" panose="020B0604020202020204" pitchFamily="34" charset="0"/>
-                <a:cs typeface="Arial" panose="020B0604020202020204" pitchFamily="34" charset="0"/>
-              </a:rPr>
-              <a:t>Administrar usuarios</a:t>
-            </a:r>
-          </a:p>
-          <a:p>
-            <a:pPr>
-              <a:buClr>
-                <a:srgbClr val="FF582E"/>
-              </a:buClr>
-            </a:pPr>
-            <a:r>
-              <a:rPr lang="es-CO" sz="2800" b="1" dirty="0">
-                <a:solidFill>
-                  <a:srgbClr val="FFFFFE"/>
-                </a:solidFill>
-                <a:effectLst>
-                  <a:outerShdw blurRad="38100" dist="38100" dir="2700000" algn="tl">
-                    <a:srgbClr val="000000">
-                      <a:alpha val="43137"/>
-                    </a:srgbClr>
-                  </a:outerShdw>
-                </a:effectLst>
-                <a:latin typeface="Arial" panose="020B0604020202020204" pitchFamily="34" charset="0"/>
-                <a:cs typeface="Arial" panose="020B0604020202020204" pitchFamily="34" charset="0"/>
-              </a:rPr>
-              <a:t>Administrar pacientes.</a:t>
-            </a:r>
-          </a:p>
-          <a:p>
-            <a:pPr>
-              <a:buClr>
-                <a:srgbClr val="FF582E"/>
-              </a:buClr>
-            </a:pPr>
-            <a:r>
-              <a:rPr lang="es-CO" sz="2800" b="1" dirty="0">
-                <a:solidFill>
-                  <a:srgbClr val="FFFFFE"/>
-                </a:solidFill>
-                <a:effectLst>
-                  <a:outerShdw blurRad="38100" dist="38100" dir="2700000" algn="tl">
-                    <a:srgbClr val="000000">
-                      <a:alpha val="43137"/>
-                    </a:srgbClr>
-                  </a:outerShdw>
-                </a:effectLst>
-                <a:latin typeface="Arial" panose="020B0604020202020204" pitchFamily="34" charset="0"/>
-                <a:cs typeface="Arial" panose="020B0604020202020204" pitchFamily="34" charset="0"/>
-              </a:rPr>
-              <a:t>Administrar diagnóstico.</a:t>
-            </a:r>
-          </a:p>
-          <a:p>
-            <a:pPr>
-              <a:buClr>
-                <a:srgbClr val="FF582E"/>
-              </a:buClr>
-            </a:pPr>
-            <a:r>
-              <a:rPr lang="es-CO" sz="2800" b="1" dirty="0">
-                <a:solidFill>
-                  <a:srgbClr val="FFFFFE"/>
-                </a:solidFill>
-                <a:effectLst>
-                  <a:outerShdw blurRad="38100" dist="38100" dir="2700000" algn="tl">
-                    <a:srgbClr val="000000">
-                      <a:alpha val="43137"/>
-                    </a:srgbClr>
-                  </a:outerShdw>
-                </a:effectLst>
-                <a:latin typeface="Arial" panose="020B0604020202020204" pitchFamily="34" charset="0"/>
-                <a:cs typeface="Arial" panose="020B0604020202020204" pitchFamily="34" charset="0"/>
-              </a:rPr>
-              <a:t>Administrar tratamiento.</a:t>
-            </a:r>
-          </a:p>
-          <a:p>
-            <a:pPr>
-              <a:buClr>
-                <a:srgbClr val="FF582E"/>
-              </a:buClr>
-            </a:pPr>
-            <a:r>
-              <a:rPr lang="es-CO" sz="2800" b="1" dirty="0">
-                <a:solidFill>
-                  <a:srgbClr val="FFFFFE"/>
-                </a:solidFill>
-                <a:effectLst>
-                  <a:outerShdw blurRad="38100" dist="38100" dir="2700000" algn="tl">
-                    <a:srgbClr val="000000">
-                      <a:alpha val="43137"/>
-                    </a:srgbClr>
-                  </a:outerShdw>
-                </a:effectLst>
-                <a:latin typeface="Arial" panose="020B0604020202020204" pitchFamily="34" charset="0"/>
-                <a:cs typeface="Arial" panose="020B0604020202020204" pitchFamily="34" charset="0"/>
-              </a:rPr>
-              <a:t>Administrar Examen intra-oral y extra-oral</a:t>
-            </a:r>
-          </a:p>
-          <a:p>
-            <a:pPr>
-              <a:buClr>
-                <a:srgbClr val="FF582E"/>
-              </a:buClr>
-            </a:pPr>
-            <a:r>
-              <a:rPr lang="es-CO" sz="2800" b="1" dirty="0">
-                <a:solidFill>
-                  <a:srgbClr val="FFFFFE"/>
-                </a:solidFill>
-                <a:effectLst>
-                  <a:outerShdw blurRad="38100" dist="38100" dir="2700000" algn="tl">
-                    <a:srgbClr val="000000">
-                      <a:alpha val="43137"/>
-                    </a:srgbClr>
-                  </a:outerShdw>
-                </a:effectLst>
-                <a:latin typeface="Arial" panose="020B0604020202020204" pitchFamily="34" charset="0"/>
-                <a:cs typeface="Arial" panose="020B0604020202020204" pitchFamily="34" charset="0"/>
-              </a:rPr>
-              <a:t>Administrar Anamnesis </a:t>
-            </a:r>
-          </a:p>
-          <a:p>
-            <a:pPr>
-              <a:buClr>
-                <a:srgbClr val="FF582E"/>
-              </a:buClr>
-            </a:pPr>
-            <a:r>
-              <a:rPr lang="es-CO" sz="2800" b="1" dirty="0">
-                <a:solidFill>
-                  <a:srgbClr val="FFFFFE"/>
-                </a:solidFill>
-                <a:effectLst>
-                  <a:outerShdw blurRad="38100" dist="38100" dir="2700000" algn="tl">
-                    <a:srgbClr val="000000">
-                      <a:alpha val="43137"/>
-                    </a:srgbClr>
-                  </a:outerShdw>
-                </a:effectLst>
-                <a:latin typeface="Arial" panose="020B0604020202020204" pitchFamily="34" charset="0"/>
-                <a:cs typeface="Arial" panose="020B0604020202020204" pitchFamily="34" charset="0"/>
-              </a:rPr>
-              <a:t>Generar reportes. </a:t>
-            </a:r>
-          </a:p>
-          <a:p>
-            <a:pPr>
-              <a:buClr>
-                <a:srgbClr val="FF582E"/>
-              </a:buClr>
-            </a:pPr>
-            <a:endParaRPr lang="es-CO" b="1" dirty="0">
-              <a:solidFill>
-                <a:srgbClr val="FFFFFE"/>
-              </a:solidFill>
-              <a:effectLst>
-                <a:outerShdw blurRad="38100" dist="38100" dir="2700000" algn="tl">
-                  <a:srgbClr val="000000">
-                    <a:alpha val="43137"/>
-                  </a:srgbClr>
-                </a:outerShdw>
-              </a:effectLst>
-              <a:latin typeface="Arial" panose="020B0604020202020204" pitchFamily="34" charset="0"/>
-              <a:cs typeface="Arial" panose="020B0604020202020204" pitchFamily="34" charset="0"/>
-            </a:endParaRPr>
+              <a:t>(Diagrama de Clases) </a:t>
+            </a:r>
           </a:p>
         </p:txBody>
       </p:sp>
     </p:spTree>
     <p:extLst>
       <p:ext uri="{BB962C8B-B14F-4D97-AF65-F5344CB8AC3E}">
-        <p14:creationId xmlns:p14="http://schemas.microsoft.com/office/powerpoint/2010/main" val="1674991818"/>
+        <p14:creationId xmlns:p14="http://schemas.microsoft.com/office/powerpoint/2010/main" val="3356608878"/>
       </p:ext>
     </p:extLst>
   </p:cSld>
@@ -9854,4 +10373,299 @@
     </a:ext>
   </a:extLst>
 </a:theme>
+</file>
+
+<file path=ppt/theme/theme2.xml><?xml version="1.0" encoding="utf-8"?>
+<a:theme xmlns:a="http://schemas.openxmlformats.org/drawingml/2006/main" name="Tema de Office">
+  <a:themeElements>
+    <a:clrScheme name="Office">
+      <a:dk1>
+        <a:sysClr val="windowText" lastClr="000000"/>
+      </a:dk1>
+      <a:lt1>
+        <a:sysClr val="window" lastClr="FFFFFF"/>
+      </a:lt1>
+      <a:dk2>
+        <a:srgbClr val="44546A"/>
+      </a:dk2>
+      <a:lt2>
+        <a:srgbClr val="E7E6E6"/>
+      </a:lt2>
+      <a:accent1>
+        <a:srgbClr val="4472C4"/>
+      </a:accent1>
+      <a:accent2>
+        <a:srgbClr val="ED7D31"/>
+      </a:accent2>
+      <a:accent3>
+        <a:srgbClr val="A5A5A5"/>
+      </a:accent3>
+      <a:accent4>
+        <a:srgbClr val="FFC000"/>
+      </a:accent4>
+      <a:accent5>
+        <a:srgbClr val="5B9BD5"/>
+      </a:accent5>
+      <a:accent6>
+        <a:srgbClr val="70AD47"/>
+      </a:accent6>
+      <a:hlink>
+        <a:srgbClr val="0563C1"/>
+      </a:hlink>
+      <a:folHlink>
+        <a:srgbClr val="954F72"/>
+      </a:folHlink>
+    </a:clrScheme>
+    <a:fontScheme name="Office">
+      <a:majorFont>
+        <a:latin typeface="Calibri Light" panose="020F0302020204030204"/>
+        <a:ea typeface=""/>
+        <a:cs typeface=""/>
+        <a:font script="Jpan" typeface="游ゴシック Light"/>
+        <a:font script="Hang" typeface="맑은 고딕"/>
+        <a:font script="Hans" typeface="等线 Light"/>
+        <a:font script="Hant" typeface="新細明體"/>
+        <a:font script="Arab" typeface="Times New Roman"/>
+        <a:font script="Hebr" typeface="Times New Roman"/>
+        <a:font script="Thai" typeface="Angsana New"/>
+        <a:font script="Ethi" typeface="Nyala"/>
+        <a:font script="Beng" typeface="Vrinda"/>
+        <a:font script="Gujr" typeface="Shruti"/>
+        <a:font script="Khmr" typeface="MoolBoran"/>
+        <a:font script="Knda" typeface="Tunga"/>
+        <a:font script="Guru" typeface="Raavi"/>
+        <a:font script="Cans" typeface="Euphemia"/>
+        <a:font script="Cher" typeface="Plantagenet Cherokee"/>
+        <a:font script="Yiii" typeface="Microsoft Yi Baiti"/>
+        <a:font script="Tibt" typeface="Microsoft Himalaya"/>
+        <a:font script="Thaa" typeface="MV Boli"/>
+        <a:font script="Deva" typeface="Mangal"/>
+        <a:font script="Telu" typeface="Gautami"/>
+        <a:font script="Taml" typeface="Latha"/>
+        <a:font script="Syrc" typeface="Estrangelo Edessa"/>
+        <a:font script="Orya" typeface="Kalinga"/>
+        <a:font script="Mlym" typeface="Kartika"/>
+        <a:font script="Laoo" typeface="DokChampa"/>
+        <a:font script="Sinh" typeface="Iskoola Pota"/>
+        <a:font script="Mong" typeface="Mongolian Baiti"/>
+        <a:font script="Viet" typeface="Times New Roman"/>
+        <a:font script="Uigh" typeface="Microsoft Uighur"/>
+        <a:font script="Geor" typeface="Sylfaen"/>
+        <a:font script="Armn" typeface="Arial"/>
+        <a:font script="Bugi" typeface="Leelawadee UI"/>
+        <a:font script="Bopo" typeface="Microsoft JhengHei"/>
+        <a:font script="Java" typeface="Javanese Text"/>
+        <a:font script="Lisu" typeface="Segoe UI"/>
+        <a:font script="Mymr" typeface="Myanmar Text"/>
+        <a:font script="Nkoo" typeface="Ebrima"/>
+        <a:font script="Olck" typeface="Nirmala UI"/>
+        <a:font script="Osma" typeface="Ebrima"/>
+        <a:font script="Phag" typeface="Phagspa"/>
+        <a:font script="Syrn" typeface="Estrangelo Edessa"/>
+        <a:font script="Syrj" typeface="Estrangelo Edessa"/>
+        <a:font script="Syre" typeface="Estrangelo Edessa"/>
+        <a:font script="Sora" typeface="Nirmala UI"/>
+        <a:font script="Tale" typeface="Microsoft Tai Le"/>
+        <a:font script="Talu" typeface="Microsoft New Tai Lue"/>
+        <a:font script="Tfng" typeface="Ebrima"/>
+      </a:majorFont>
+      <a:minorFont>
+        <a:latin typeface="Calibri" panose="020F0502020204030204"/>
+        <a:ea typeface=""/>
+        <a:cs typeface=""/>
+        <a:font script="Jpan" typeface="游ゴシック"/>
+        <a:font script="Hang" typeface="맑은 고딕"/>
+        <a:font script="Hans" typeface="等线"/>
+        <a:font script="Hant" typeface="新細明體"/>
+        <a:font script="Arab" typeface="Arial"/>
+        <a:font script="Hebr" typeface="Arial"/>
+        <a:font script="Thai" typeface="Cordia New"/>
+        <a:font script="Ethi" typeface="Nyala"/>
+        <a:font script="Beng" typeface="Vrinda"/>
+        <a:font script="Gujr" typeface="Shruti"/>
+        <a:font script="Khmr" typeface="DaunPenh"/>
+        <a:font script="Knda" typeface="Tunga"/>
+        <a:font script="Guru" typeface="Raavi"/>
+        <a:font script="Cans" typeface="Euphemia"/>
+        <a:font script="Cher" typeface="Plantagenet Cherokee"/>
+        <a:font script="Yiii" typeface="Microsoft Yi Baiti"/>
+        <a:font script="Tibt" typeface="Microsoft Himalaya"/>
+        <a:font script="Thaa" typeface="MV Boli"/>
+        <a:font script="Deva" typeface="Mangal"/>
+        <a:font script="Telu" typeface="Gautami"/>
+        <a:font script="Taml" typeface="Latha"/>
+        <a:font script="Syrc" typeface="Estrangelo Edessa"/>
+        <a:font script="Orya" typeface="Kalinga"/>
+        <a:font script="Mlym" typeface="Kartika"/>
+        <a:font script="Laoo" typeface="DokChampa"/>
+        <a:font script="Sinh" typeface="Iskoola Pota"/>
+        <a:font script="Mong" typeface="Mongolian Baiti"/>
+        <a:font script="Viet" typeface="Arial"/>
+        <a:font script="Uigh" typeface="Microsoft Uighur"/>
+        <a:font script="Geor" typeface="Sylfaen"/>
+        <a:font script="Armn" typeface="Arial"/>
+        <a:font script="Bugi" typeface="Leelawadee UI"/>
+        <a:font script="Bopo" typeface="Microsoft JhengHei"/>
+        <a:font script="Java" typeface="Javanese Text"/>
+        <a:font script="Lisu" typeface="Segoe UI"/>
+        <a:font script="Mymr" typeface="Myanmar Text"/>
+        <a:font script="Nkoo" typeface="Ebrima"/>
+        <a:font script="Olck" typeface="Nirmala UI"/>
+        <a:font script="Osma" typeface="Ebrima"/>
+        <a:font script="Phag" typeface="Phagspa"/>
+        <a:font script="Syrn" typeface="Estrangelo Edessa"/>
+        <a:font script="Syrj" typeface="Estrangelo Edessa"/>
+        <a:font script="Syre" typeface="Estrangelo Edessa"/>
+        <a:font script="Sora" typeface="Nirmala UI"/>
+        <a:font script="Tale" typeface="Microsoft Tai Le"/>
+        <a:font script="Talu" typeface="Microsoft New Tai Lue"/>
+        <a:font script="Tfng" typeface="Ebrima"/>
+      </a:minorFont>
+    </a:fontScheme>
+    <a:fmtScheme name="Office">
+      <a:fillStyleLst>
+        <a:solidFill>
+          <a:schemeClr val="phClr"/>
+        </a:solidFill>
+        <a:gradFill rotWithShape="1">
+          <a:gsLst>
+            <a:gs pos="0">
+              <a:schemeClr val="phClr">
+                <a:lumMod val="110000"/>
+                <a:satMod val="105000"/>
+                <a:tint val="67000"/>
+              </a:schemeClr>
+            </a:gs>
+            <a:gs pos="50000">
+              <a:schemeClr val="phClr">
+                <a:lumMod val="105000"/>
+                <a:satMod val="103000"/>
+                <a:tint val="73000"/>
+              </a:schemeClr>
+            </a:gs>
+            <a:gs pos="100000">
+              <a:schemeClr val="phClr">
+                <a:lumMod val="105000"/>
+                <a:satMod val="109000"/>
+                <a:tint val="81000"/>
+              </a:schemeClr>
+            </a:gs>
+          </a:gsLst>
+          <a:lin ang="5400000" scaled="0"/>
+        </a:gradFill>
+        <a:gradFill rotWithShape="1">
+          <a:gsLst>
+            <a:gs pos="0">
+              <a:schemeClr val="phClr">
+                <a:satMod val="103000"/>
+                <a:lumMod val="102000"/>
+                <a:tint val="94000"/>
+              </a:schemeClr>
+            </a:gs>
+            <a:gs pos="50000">
+              <a:schemeClr val="phClr">
+                <a:satMod val="110000"/>
+                <a:lumMod val="100000"/>
+                <a:shade val="100000"/>
+              </a:schemeClr>
+            </a:gs>
+            <a:gs pos="100000">
+              <a:schemeClr val="phClr">
+                <a:lumMod val="99000"/>
+                <a:satMod val="120000"/>
+                <a:shade val="78000"/>
+              </a:schemeClr>
+            </a:gs>
+          </a:gsLst>
+          <a:lin ang="5400000" scaled="0"/>
+        </a:gradFill>
+      </a:fillStyleLst>
+      <a:lnStyleLst>
+        <a:ln w="6350" cap="flat" cmpd="sng" algn="ctr">
+          <a:solidFill>
+            <a:schemeClr val="phClr"/>
+          </a:solidFill>
+          <a:prstDash val="solid"/>
+          <a:miter lim="800000"/>
+        </a:ln>
+        <a:ln w="12700" cap="flat" cmpd="sng" algn="ctr">
+          <a:solidFill>
+            <a:schemeClr val="phClr"/>
+          </a:solidFill>
+          <a:prstDash val="solid"/>
+          <a:miter lim="800000"/>
+        </a:ln>
+        <a:ln w="19050" cap="flat" cmpd="sng" algn="ctr">
+          <a:solidFill>
+            <a:schemeClr val="phClr"/>
+          </a:solidFill>
+          <a:prstDash val="solid"/>
+          <a:miter lim="800000"/>
+        </a:ln>
+      </a:lnStyleLst>
+      <a:effectStyleLst>
+        <a:effectStyle>
+          <a:effectLst/>
+        </a:effectStyle>
+        <a:effectStyle>
+          <a:effectLst/>
+        </a:effectStyle>
+        <a:effectStyle>
+          <a:effectLst>
+            <a:outerShdw blurRad="57150" dist="19050" dir="5400000" algn="ctr" rotWithShape="0">
+              <a:srgbClr val="000000">
+                <a:alpha val="63000"/>
+              </a:srgbClr>
+            </a:outerShdw>
+          </a:effectLst>
+        </a:effectStyle>
+      </a:effectStyleLst>
+      <a:bgFillStyleLst>
+        <a:solidFill>
+          <a:schemeClr val="phClr"/>
+        </a:solidFill>
+        <a:solidFill>
+          <a:schemeClr val="phClr">
+            <a:tint val="95000"/>
+            <a:satMod val="170000"/>
+          </a:schemeClr>
+        </a:solidFill>
+        <a:gradFill rotWithShape="1">
+          <a:gsLst>
+            <a:gs pos="0">
+              <a:schemeClr val="phClr">
+                <a:tint val="93000"/>
+                <a:satMod val="150000"/>
+                <a:shade val="98000"/>
+                <a:lumMod val="102000"/>
+              </a:schemeClr>
+            </a:gs>
+            <a:gs pos="50000">
+              <a:schemeClr val="phClr">
+                <a:tint val="98000"/>
+                <a:satMod val="130000"/>
+                <a:shade val="90000"/>
+                <a:lumMod val="103000"/>
+              </a:schemeClr>
+            </a:gs>
+            <a:gs pos="100000">
+              <a:schemeClr val="phClr">
+                <a:shade val="63000"/>
+                <a:satMod val="120000"/>
+              </a:schemeClr>
+            </a:gs>
+          </a:gsLst>
+          <a:lin ang="5400000" scaled="0"/>
+        </a:gradFill>
+      </a:bgFillStyleLst>
+    </a:fmtScheme>
+  </a:themeElements>
+  <a:objectDefaults/>
+  <a:extraClrSchemeLst/>
+  <a:extLst>
+    <a:ext uri="{05A4C25C-085E-4340-85A3-A5531E510DB2}">
+      <thm15:themeFamily xmlns:thm15="http://schemas.microsoft.com/office/thememl/2012/main" name="Office Theme" id="{62F939B6-93AF-4DB8-9C6B-D6C7DFDC589F}" vid="{4A3C46E8-61CC-4603-A589-7422A47A8E4A}"/>
+    </a:ext>
+  </a:extLst>
+</a:theme>
 </file>